--- a/Spark源码阅读笔记/other/spark图.pptx
+++ b/Spark源码阅读笔记/other/spark图.pptx
@@ -5,12 +5,13 @@
     <p:sldMasterId id="2147483648" r:id="rId1"/>
   </p:sldMasterIdLst>
   <p:notesMasterIdLst>
-    <p:notesMasterId r:id="rId5"/>
+    <p:notesMasterId r:id="rId6"/>
   </p:notesMasterIdLst>
   <p:sldIdLst>
     <p:sldId id="256" r:id="rId2"/>
     <p:sldId id="257" r:id="rId3"/>
     <p:sldId id="258" r:id="rId4"/>
+    <p:sldId id="259" r:id="rId5"/>
   </p:sldIdLst>
   <p:sldSz cx="12192000" cy="6858000"/>
   <p:notesSz cx="6858000" cy="9144000"/>
@@ -199,7 +200,7 @@
           <a:p>
             <a:fld id="{ECF2DB2D-98F9-483D-8BCA-3FC9FC2CC05F}" type="datetimeFigureOut">
               <a:rPr lang="zh-CN" altLang="en-US" smtClean="0"/>
-              <a:t>2021/5/29</a:t>
+              <a:t>2021/6/11</a:t>
             </a:fld>
             <a:endParaRPr lang="zh-CN" altLang="en-US"/>
           </a:p>
@@ -263,38 +264,37 @@
           <a:p>
             <a:pPr lvl="0"/>
             <a:r>
-              <a:rPr lang="zh-CN" altLang="en-US" smtClean="0"/>
+              <a:rPr lang="zh-CN" altLang="en-US"/>
               <a:t>编辑母版文本样式</a:t>
             </a:r>
           </a:p>
           <a:p>
             <a:pPr lvl="1"/>
             <a:r>
-              <a:rPr lang="zh-CN" altLang="en-US" smtClean="0"/>
+              <a:rPr lang="zh-CN" altLang="en-US"/>
               <a:t>第二级</a:t>
             </a:r>
           </a:p>
           <a:p>
             <a:pPr lvl="2"/>
             <a:r>
-              <a:rPr lang="zh-CN" altLang="en-US" smtClean="0"/>
+              <a:rPr lang="zh-CN" altLang="en-US"/>
               <a:t>第三级</a:t>
             </a:r>
           </a:p>
           <a:p>
             <a:pPr lvl="3"/>
             <a:r>
-              <a:rPr lang="zh-CN" altLang="en-US" smtClean="0"/>
+              <a:rPr lang="zh-CN" altLang="en-US"/>
               <a:t>第四级</a:t>
             </a:r>
           </a:p>
           <a:p>
             <a:pPr lvl="4"/>
             <a:r>
-              <a:rPr lang="zh-CN" altLang="en-US" smtClean="0"/>
+              <a:rPr lang="zh-CN" altLang="en-US"/>
               <a:t>第五级</a:t>
             </a:r>
-            <a:endParaRPr lang="zh-CN" altLang="en-US"/>
           </a:p>
         </p:txBody>
       </p:sp>
@@ -593,10 +593,9 @@
           </a:lstStyle>
           <a:p>
             <a:r>
-              <a:rPr lang="zh-CN" altLang="en-US" smtClean="0"/>
+              <a:rPr lang="zh-CN" altLang="en-US"/>
               <a:t>单击此处编辑母版标题样式</a:t>
             </a:r>
-            <a:endParaRPr lang="zh-CN" altLang="en-US"/>
           </a:p>
         </p:txBody>
       </p:sp>
@@ -658,10 +657,9 @@
           </a:lstStyle>
           <a:p>
             <a:r>
-              <a:rPr lang="zh-CN" altLang="en-US" smtClean="0"/>
+              <a:rPr lang="zh-CN" altLang="en-US"/>
               <a:t>单击以编辑母版副标题样式</a:t>
             </a:r>
-            <a:endParaRPr lang="zh-CN" altLang="en-US"/>
           </a:p>
         </p:txBody>
       </p:sp>
@@ -682,7 +680,7 @@
           <a:p>
             <a:fld id="{BE2B6559-75EF-40D0-8574-57135ADDCFCA}" type="datetimeFigureOut">
               <a:rPr lang="zh-CN" altLang="en-US" smtClean="0"/>
-              <a:t>2021/5/29</a:t>
+              <a:t>2021/6/11</a:t>
             </a:fld>
             <a:endParaRPr lang="zh-CN" altLang="en-US"/>
           </a:p>
@@ -776,10 +774,9 @@
           <a:lstStyle/>
           <a:p>
             <a:r>
-              <a:rPr lang="zh-CN" altLang="en-US" smtClean="0"/>
+              <a:rPr lang="zh-CN" altLang="en-US"/>
               <a:t>单击此处编辑母版标题样式</a:t>
             </a:r>
-            <a:endParaRPr lang="zh-CN" altLang="en-US"/>
           </a:p>
         </p:txBody>
       </p:sp>
@@ -800,38 +797,37 @@
           <a:p>
             <a:pPr lvl="0"/>
             <a:r>
-              <a:rPr lang="zh-CN" altLang="en-US" smtClean="0"/>
+              <a:rPr lang="zh-CN" altLang="en-US"/>
               <a:t>编辑母版文本样式</a:t>
             </a:r>
           </a:p>
           <a:p>
             <a:pPr lvl="1"/>
             <a:r>
-              <a:rPr lang="zh-CN" altLang="en-US" smtClean="0"/>
+              <a:rPr lang="zh-CN" altLang="en-US"/>
               <a:t>第二级</a:t>
             </a:r>
           </a:p>
           <a:p>
             <a:pPr lvl="2"/>
             <a:r>
-              <a:rPr lang="zh-CN" altLang="en-US" smtClean="0"/>
+              <a:rPr lang="zh-CN" altLang="en-US"/>
               <a:t>第三级</a:t>
             </a:r>
           </a:p>
           <a:p>
             <a:pPr lvl="3"/>
             <a:r>
-              <a:rPr lang="zh-CN" altLang="en-US" smtClean="0"/>
+              <a:rPr lang="zh-CN" altLang="en-US"/>
               <a:t>第四级</a:t>
             </a:r>
           </a:p>
           <a:p>
             <a:pPr lvl="4"/>
             <a:r>
-              <a:rPr lang="zh-CN" altLang="en-US" smtClean="0"/>
+              <a:rPr lang="zh-CN" altLang="en-US"/>
               <a:t>第五级</a:t>
             </a:r>
-            <a:endParaRPr lang="zh-CN" altLang="en-US"/>
           </a:p>
         </p:txBody>
       </p:sp>
@@ -852,7 +848,7 @@
           <a:p>
             <a:fld id="{BE2B6559-75EF-40D0-8574-57135ADDCFCA}" type="datetimeFigureOut">
               <a:rPr lang="zh-CN" altLang="en-US" smtClean="0"/>
-              <a:t>2021/5/29</a:t>
+              <a:t>2021/6/11</a:t>
             </a:fld>
             <a:endParaRPr lang="zh-CN" altLang="en-US"/>
           </a:p>
@@ -951,10 +947,9 @@
           <a:lstStyle/>
           <a:p>
             <a:r>
-              <a:rPr lang="zh-CN" altLang="en-US" smtClean="0"/>
+              <a:rPr lang="zh-CN" altLang="en-US"/>
               <a:t>单击此处编辑母版标题样式</a:t>
             </a:r>
-            <a:endParaRPr lang="zh-CN" altLang="en-US"/>
           </a:p>
         </p:txBody>
       </p:sp>
@@ -980,38 +975,37 @@
           <a:p>
             <a:pPr lvl="0"/>
             <a:r>
-              <a:rPr lang="zh-CN" altLang="en-US" smtClean="0"/>
+              <a:rPr lang="zh-CN" altLang="en-US"/>
               <a:t>编辑母版文本样式</a:t>
             </a:r>
           </a:p>
           <a:p>
             <a:pPr lvl="1"/>
             <a:r>
-              <a:rPr lang="zh-CN" altLang="en-US" smtClean="0"/>
+              <a:rPr lang="zh-CN" altLang="en-US"/>
               <a:t>第二级</a:t>
             </a:r>
           </a:p>
           <a:p>
             <a:pPr lvl="2"/>
             <a:r>
-              <a:rPr lang="zh-CN" altLang="en-US" smtClean="0"/>
+              <a:rPr lang="zh-CN" altLang="en-US"/>
               <a:t>第三级</a:t>
             </a:r>
           </a:p>
           <a:p>
             <a:pPr lvl="3"/>
             <a:r>
-              <a:rPr lang="zh-CN" altLang="en-US" smtClean="0"/>
+              <a:rPr lang="zh-CN" altLang="en-US"/>
               <a:t>第四级</a:t>
             </a:r>
           </a:p>
           <a:p>
             <a:pPr lvl="4"/>
             <a:r>
-              <a:rPr lang="zh-CN" altLang="en-US" smtClean="0"/>
+              <a:rPr lang="zh-CN" altLang="en-US"/>
               <a:t>第五级</a:t>
             </a:r>
-            <a:endParaRPr lang="zh-CN" altLang="en-US"/>
           </a:p>
         </p:txBody>
       </p:sp>
@@ -1032,7 +1026,7 @@
           <a:p>
             <a:fld id="{BE2B6559-75EF-40D0-8574-57135ADDCFCA}" type="datetimeFigureOut">
               <a:rPr lang="zh-CN" altLang="en-US" smtClean="0"/>
-              <a:t>2021/5/29</a:t>
+              <a:t>2021/6/11</a:t>
             </a:fld>
             <a:endParaRPr lang="zh-CN" altLang="en-US"/>
           </a:p>
@@ -1126,10 +1120,9 @@
           <a:lstStyle/>
           <a:p>
             <a:r>
-              <a:rPr lang="zh-CN" altLang="en-US" smtClean="0"/>
+              <a:rPr lang="zh-CN" altLang="en-US"/>
               <a:t>单击此处编辑母版标题样式</a:t>
             </a:r>
-            <a:endParaRPr lang="zh-CN" altLang="en-US"/>
           </a:p>
         </p:txBody>
       </p:sp>
@@ -1150,38 +1143,37 @@
           <a:p>
             <a:pPr lvl="0"/>
             <a:r>
-              <a:rPr lang="zh-CN" altLang="en-US" smtClean="0"/>
+              <a:rPr lang="zh-CN" altLang="en-US"/>
               <a:t>编辑母版文本样式</a:t>
             </a:r>
           </a:p>
           <a:p>
             <a:pPr lvl="1"/>
             <a:r>
-              <a:rPr lang="zh-CN" altLang="en-US" smtClean="0"/>
+              <a:rPr lang="zh-CN" altLang="en-US"/>
               <a:t>第二级</a:t>
             </a:r>
           </a:p>
           <a:p>
             <a:pPr lvl="2"/>
             <a:r>
-              <a:rPr lang="zh-CN" altLang="en-US" smtClean="0"/>
+              <a:rPr lang="zh-CN" altLang="en-US"/>
               <a:t>第三级</a:t>
             </a:r>
           </a:p>
           <a:p>
             <a:pPr lvl="3"/>
             <a:r>
-              <a:rPr lang="zh-CN" altLang="en-US" smtClean="0"/>
+              <a:rPr lang="zh-CN" altLang="en-US"/>
               <a:t>第四级</a:t>
             </a:r>
           </a:p>
           <a:p>
             <a:pPr lvl="4"/>
             <a:r>
-              <a:rPr lang="zh-CN" altLang="en-US" smtClean="0"/>
+              <a:rPr lang="zh-CN" altLang="en-US"/>
               <a:t>第五级</a:t>
             </a:r>
-            <a:endParaRPr lang="zh-CN" altLang="en-US"/>
           </a:p>
         </p:txBody>
       </p:sp>
@@ -1202,7 +1194,7 @@
           <a:p>
             <a:fld id="{BE2B6559-75EF-40D0-8574-57135ADDCFCA}" type="datetimeFigureOut">
               <a:rPr lang="zh-CN" altLang="en-US" smtClean="0"/>
-              <a:t>2021/5/29</a:t>
+              <a:t>2021/6/11</a:t>
             </a:fld>
             <a:endParaRPr lang="zh-CN" altLang="en-US"/>
           </a:p>
@@ -1305,10 +1297,9 @@
           </a:lstStyle>
           <a:p>
             <a:r>
-              <a:rPr lang="zh-CN" altLang="en-US" smtClean="0"/>
+              <a:rPr lang="zh-CN" altLang="en-US"/>
               <a:t>单击此处编辑母版标题样式</a:t>
             </a:r>
-            <a:endParaRPr lang="zh-CN" altLang="en-US"/>
           </a:p>
         </p:txBody>
       </p:sp>
@@ -1425,7 +1416,7 @@
           <a:p>
             <a:pPr lvl="0"/>
             <a:r>
-              <a:rPr lang="zh-CN" altLang="en-US" smtClean="0"/>
+              <a:rPr lang="zh-CN" altLang="en-US"/>
               <a:t>编辑母版文本样式</a:t>
             </a:r>
           </a:p>
@@ -1448,7 +1439,7 @@
           <a:p>
             <a:fld id="{BE2B6559-75EF-40D0-8574-57135ADDCFCA}" type="datetimeFigureOut">
               <a:rPr lang="zh-CN" altLang="en-US" smtClean="0"/>
-              <a:t>2021/5/29</a:t>
+              <a:t>2021/6/11</a:t>
             </a:fld>
             <a:endParaRPr lang="zh-CN" altLang="en-US"/>
           </a:p>
@@ -1542,10 +1533,9 @@
           <a:lstStyle/>
           <a:p>
             <a:r>
-              <a:rPr lang="zh-CN" altLang="en-US" smtClean="0"/>
+              <a:rPr lang="zh-CN" altLang="en-US"/>
               <a:t>单击此处编辑母版标题样式</a:t>
             </a:r>
-            <a:endParaRPr lang="zh-CN" altLang="en-US"/>
           </a:p>
         </p:txBody>
       </p:sp>
@@ -1571,38 +1561,37 @@
           <a:p>
             <a:pPr lvl="0"/>
             <a:r>
-              <a:rPr lang="zh-CN" altLang="en-US" smtClean="0"/>
+              <a:rPr lang="zh-CN" altLang="en-US"/>
               <a:t>编辑母版文本样式</a:t>
             </a:r>
           </a:p>
           <a:p>
             <a:pPr lvl="1"/>
             <a:r>
-              <a:rPr lang="zh-CN" altLang="en-US" smtClean="0"/>
+              <a:rPr lang="zh-CN" altLang="en-US"/>
               <a:t>第二级</a:t>
             </a:r>
           </a:p>
           <a:p>
             <a:pPr lvl="2"/>
             <a:r>
-              <a:rPr lang="zh-CN" altLang="en-US" smtClean="0"/>
+              <a:rPr lang="zh-CN" altLang="en-US"/>
               <a:t>第三级</a:t>
             </a:r>
           </a:p>
           <a:p>
             <a:pPr lvl="3"/>
             <a:r>
-              <a:rPr lang="zh-CN" altLang="en-US" smtClean="0"/>
+              <a:rPr lang="zh-CN" altLang="en-US"/>
               <a:t>第四级</a:t>
             </a:r>
           </a:p>
           <a:p>
             <a:pPr lvl="4"/>
             <a:r>
-              <a:rPr lang="zh-CN" altLang="en-US" smtClean="0"/>
+              <a:rPr lang="zh-CN" altLang="en-US"/>
               <a:t>第五级</a:t>
             </a:r>
-            <a:endParaRPr lang="zh-CN" altLang="en-US"/>
           </a:p>
         </p:txBody>
       </p:sp>
@@ -1628,38 +1617,37 @@
           <a:p>
             <a:pPr lvl="0"/>
             <a:r>
-              <a:rPr lang="zh-CN" altLang="en-US" smtClean="0"/>
+              <a:rPr lang="zh-CN" altLang="en-US"/>
               <a:t>编辑母版文本样式</a:t>
             </a:r>
           </a:p>
           <a:p>
             <a:pPr lvl="1"/>
             <a:r>
-              <a:rPr lang="zh-CN" altLang="en-US" smtClean="0"/>
+              <a:rPr lang="zh-CN" altLang="en-US"/>
               <a:t>第二级</a:t>
             </a:r>
           </a:p>
           <a:p>
             <a:pPr lvl="2"/>
             <a:r>
-              <a:rPr lang="zh-CN" altLang="en-US" smtClean="0"/>
+              <a:rPr lang="zh-CN" altLang="en-US"/>
               <a:t>第三级</a:t>
             </a:r>
           </a:p>
           <a:p>
             <a:pPr lvl="3"/>
             <a:r>
-              <a:rPr lang="zh-CN" altLang="en-US" smtClean="0"/>
+              <a:rPr lang="zh-CN" altLang="en-US"/>
               <a:t>第四级</a:t>
             </a:r>
           </a:p>
           <a:p>
             <a:pPr lvl="4"/>
             <a:r>
-              <a:rPr lang="zh-CN" altLang="en-US" smtClean="0"/>
+              <a:rPr lang="zh-CN" altLang="en-US"/>
               <a:t>第五级</a:t>
             </a:r>
-            <a:endParaRPr lang="zh-CN" altLang="en-US"/>
           </a:p>
         </p:txBody>
       </p:sp>
@@ -1680,7 +1668,7 @@
           <a:p>
             <a:fld id="{BE2B6559-75EF-40D0-8574-57135ADDCFCA}" type="datetimeFigureOut">
               <a:rPr lang="zh-CN" altLang="en-US" smtClean="0"/>
-              <a:t>2021/5/29</a:t>
+              <a:t>2021/6/11</a:t>
             </a:fld>
             <a:endParaRPr lang="zh-CN" altLang="en-US"/>
           </a:p>
@@ -1779,10 +1767,9 @@
           <a:lstStyle/>
           <a:p>
             <a:r>
-              <a:rPr lang="zh-CN" altLang="en-US" smtClean="0"/>
+              <a:rPr lang="zh-CN" altLang="en-US"/>
               <a:t>单击此处编辑母版标题样式</a:t>
             </a:r>
-            <a:endParaRPr lang="zh-CN" altLang="en-US"/>
           </a:p>
         </p:txBody>
       </p:sp>
@@ -1845,7 +1832,7 @@
           <a:p>
             <a:pPr lvl="0"/>
             <a:r>
-              <a:rPr lang="zh-CN" altLang="en-US" smtClean="0"/>
+              <a:rPr lang="zh-CN" altLang="en-US"/>
               <a:t>编辑母版文本样式</a:t>
             </a:r>
           </a:p>
@@ -1873,38 +1860,37 @@
           <a:p>
             <a:pPr lvl="0"/>
             <a:r>
-              <a:rPr lang="zh-CN" altLang="en-US" smtClean="0"/>
+              <a:rPr lang="zh-CN" altLang="en-US"/>
               <a:t>编辑母版文本样式</a:t>
             </a:r>
           </a:p>
           <a:p>
             <a:pPr lvl="1"/>
             <a:r>
-              <a:rPr lang="zh-CN" altLang="en-US" smtClean="0"/>
+              <a:rPr lang="zh-CN" altLang="en-US"/>
               <a:t>第二级</a:t>
             </a:r>
           </a:p>
           <a:p>
             <a:pPr lvl="2"/>
             <a:r>
-              <a:rPr lang="zh-CN" altLang="en-US" smtClean="0"/>
+              <a:rPr lang="zh-CN" altLang="en-US"/>
               <a:t>第三级</a:t>
             </a:r>
           </a:p>
           <a:p>
             <a:pPr lvl="3"/>
             <a:r>
-              <a:rPr lang="zh-CN" altLang="en-US" smtClean="0"/>
+              <a:rPr lang="zh-CN" altLang="en-US"/>
               <a:t>第四级</a:t>
             </a:r>
           </a:p>
           <a:p>
             <a:pPr lvl="4"/>
             <a:r>
-              <a:rPr lang="zh-CN" altLang="en-US" smtClean="0"/>
+              <a:rPr lang="zh-CN" altLang="en-US"/>
               <a:t>第五级</a:t>
             </a:r>
-            <a:endParaRPr lang="zh-CN" altLang="en-US"/>
           </a:p>
         </p:txBody>
       </p:sp>
@@ -1967,7 +1953,7 @@
           <a:p>
             <a:pPr lvl="0"/>
             <a:r>
-              <a:rPr lang="zh-CN" altLang="en-US" smtClean="0"/>
+              <a:rPr lang="zh-CN" altLang="en-US"/>
               <a:t>编辑母版文本样式</a:t>
             </a:r>
           </a:p>
@@ -1995,38 +1981,37 @@
           <a:p>
             <a:pPr lvl="0"/>
             <a:r>
-              <a:rPr lang="zh-CN" altLang="en-US" smtClean="0"/>
+              <a:rPr lang="zh-CN" altLang="en-US"/>
               <a:t>编辑母版文本样式</a:t>
             </a:r>
           </a:p>
           <a:p>
             <a:pPr lvl="1"/>
             <a:r>
-              <a:rPr lang="zh-CN" altLang="en-US" smtClean="0"/>
+              <a:rPr lang="zh-CN" altLang="en-US"/>
               <a:t>第二级</a:t>
             </a:r>
           </a:p>
           <a:p>
             <a:pPr lvl="2"/>
             <a:r>
-              <a:rPr lang="zh-CN" altLang="en-US" smtClean="0"/>
+              <a:rPr lang="zh-CN" altLang="en-US"/>
               <a:t>第三级</a:t>
             </a:r>
           </a:p>
           <a:p>
             <a:pPr lvl="3"/>
             <a:r>
-              <a:rPr lang="zh-CN" altLang="en-US" smtClean="0"/>
+              <a:rPr lang="zh-CN" altLang="en-US"/>
               <a:t>第四级</a:t>
             </a:r>
           </a:p>
           <a:p>
             <a:pPr lvl="4"/>
             <a:r>
-              <a:rPr lang="zh-CN" altLang="en-US" smtClean="0"/>
+              <a:rPr lang="zh-CN" altLang="en-US"/>
               <a:t>第五级</a:t>
             </a:r>
-            <a:endParaRPr lang="zh-CN" altLang="en-US"/>
           </a:p>
         </p:txBody>
       </p:sp>
@@ -2047,7 +2032,7 @@
           <a:p>
             <a:fld id="{BE2B6559-75EF-40D0-8574-57135ADDCFCA}" type="datetimeFigureOut">
               <a:rPr lang="zh-CN" altLang="en-US" smtClean="0"/>
-              <a:t>2021/5/29</a:t>
+              <a:t>2021/6/11</a:t>
             </a:fld>
             <a:endParaRPr lang="zh-CN" altLang="en-US"/>
           </a:p>
@@ -2141,10 +2126,9 @@
           <a:lstStyle/>
           <a:p>
             <a:r>
-              <a:rPr lang="zh-CN" altLang="en-US" smtClean="0"/>
+              <a:rPr lang="zh-CN" altLang="en-US"/>
               <a:t>单击此处编辑母版标题样式</a:t>
             </a:r>
-            <a:endParaRPr lang="zh-CN" altLang="en-US"/>
           </a:p>
         </p:txBody>
       </p:sp>
@@ -2165,7 +2149,7 @@
           <a:p>
             <a:fld id="{BE2B6559-75EF-40D0-8574-57135ADDCFCA}" type="datetimeFigureOut">
               <a:rPr lang="zh-CN" altLang="en-US" smtClean="0"/>
-              <a:t>2021/5/29</a:t>
+              <a:t>2021/6/11</a:t>
             </a:fld>
             <a:endParaRPr lang="zh-CN" altLang="en-US"/>
           </a:p>
@@ -2260,7 +2244,7 @@
           <a:p>
             <a:fld id="{BE2B6559-75EF-40D0-8574-57135ADDCFCA}" type="datetimeFigureOut">
               <a:rPr lang="zh-CN" altLang="en-US" smtClean="0"/>
-              <a:t>2021/5/29</a:t>
+              <a:t>2021/6/11</a:t>
             </a:fld>
             <a:endParaRPr lang="zh-CN" altLang="en-US"/>
           </a:p>
@@ -2363,10 +2347,9 @@
           </a:lstStyle>
           <a:p>
             <a:r>
-              <a:rPr lang="zh-CN" altLang="en-US" smtClean="0"/>
+              <a:rPr lang="zh-CN" altLang="en-US"/>
               <a:t>单击此处编辑母版标题样式</a:t>
             </a:r>
-            <a:endParaRPr lang="zh-CN" altLang="en-US"/>
           </a:p>
         </p:txBody>
       </p:sp>
@@ -2420,38 +2403,37 @@
           <a:p>
             <a:pPr lvl="0"/>
             <a:r>
-              <a:rPr lang="zh-CN" altLang="en-US" smtClean="0"/>
+              <a:rPr lang="zh-CN" altLang="en-US"/>
               <a:t>编辑母版文本样式</a:t>
             </a:r>
           </a:p>
           <a:p>
             <a:pPr lvl="1"/>
             <a:r>
-              <a:rPr lang="zh-CN" altLang="en-US" smtClean="0"/>
+              <a:rPr lang="zh-CN" altLang="en-US"/>
               <a:t>第二级</a:t>
             </a:r>
           </a:p>
           <a:p>
             <a:pPr lvl="2"/>
             <a:r>
-              <a:rPr lang="zh-CN" altLang="en-US" smtClean="0"/>
+              <a:rPr lang="zh-CN" altLang="en-US"/>
               <a:t>第三级</a:t>
             </a:r>
           </a:p>
           <a:p>
             <a:pPr lvl="3"/>
             <a:r>
-              <a:rPr lang="zh-CN" altLang="en-US" smtClean="0"/>
+              <a:rPr lang="zh-CN" altLang="en-US"/>
               <a:t>第四级</a:t>
             </a:r>
           </a:p>
           <a:p>
             <a:pPr lvl="4"/>
             <a:r>
-              <a:rPr lang="zh-CN" altLang="en-US" smtClean="0"/>
+              <a:rPr lang="zh-CN" altLang="en-US"/>
               <a:t>第五级</a:t>
             </a:r>
-            <a:endParaRPr lang="zh-CN" altLang="en-US"/>
           </a:p>
         </p:txBody>
       </p:sp>
@@ -2514,7 +2496,7 @@
           <a:p>
             <a:pPr lvl="0"/>
             <a:r>
-              <a:rPr lang="zh-CN" altLang="en-US" smtClean="0"/>
+              <a:rPr lang="zh-CN" altLang="en-US"/>
               <a:t>编辑母版文本样式</a:t>
             </a:r>
           </a:p>
@@ -2537,7 +2519,7 @@
           <a:p>
             <a:fld id="{BE2B6559-75EF-40D0-8574-57135ADDCFCA}" type="datetimeFigureOut">
               <a:rPr lang="zh-CN" altLang="en-US" smtClean="0"/>
-              <a:t>2021/5/29</a:t>
+              <a:t>2021/6/11</a:t>
             </a:fld>
             <a:endParaRPr lang="zh-CN" altLang="en-US"/>
           </a:p>
@@ -2640,10 +2622,9 @@
           </a:lstStyle>
           <a:p>
             <a:r>
-              <a:rPr lang="zh-CN" altLang="en-US" smtClean="0"/>
+              <a:rPr lang="zh-CN" altLang="en-US"/>
               <a:t>单击此处编辑母版标题样式</a:t>
             </a:r>
-            <a:endParaRPr lang="zh-CN" altLang="en-US"/>
           </a:p>
         </p:txBody>
       </p:sp>
@@ -2767,7 +2748,7 @@
           <a:p>
             <a:pPr lvl="0"/>
             <a:r>
-              <a:rPr lang="zh-CN" altLang="en-US" smtClean="0"/>
+              <a:rPr lang="zh-CN" altLang="en-US"/>
               <a:t>编辑母版文本样式</a:t>
             </a:r>
           </a:p>
@@ -2790,7 +2771,7 @@
           <a:p>
             <a:fld id="{BE2B6559-75EF-40D0-8574-57135ADDCFCA}" type="datetimeFigureOut">
               <a:rPr lang="zh-CN" altLang="en-US" smtClean="0"/>
-              <a:t>2021/5/29</a:t>
+              <a:t>2021/6/11</a:t>
             </a:fld>
             <a:endParaRPr lang="zh-CN" altLang="en-US"/>
           </a:p>
@@ -2899,10 +2880,9 @@
           <a:lstStyle/>
           <a:p>
             <a:r>
-              <a:rPr lang="zh-CN" altLang="en-US" smtClean="0"/>
+              <a:rPr lang="zh-CN" altLang="en-US"/>
               <a:t>单击此处编辑母版标题样式</a:t>
             </a:r>
-            <a:endParaRPr lang="zh-CN" altLang="en-US"/>
           </a:p>
         </p:txBody>
       </p:sp>
@@ -2933,38 +2913,37 @@
           <a:p>
             <a:pPr lvl="0"/>
             <a:r>
-              <a:rPr lang="zh-CN" altLang="en-US" smtClean="0"/>
+              <a:rPr lang="zh-CN" altLang="en-US"/>
               <a:t>编辑母版文本样式</a:t>
             </a:r>
           </a:p>
           <a:p>
             <a:pPr lvl="1"/>
             <a:r>
-              <a:rPr lang="zh-CN" altLang="en-US" smtClean="0"/>
+              <a:rPr lang="zh-CN" altLang="en-US"/>
               <a:t>第二级</a:t>
             </a:r>
           </a:p>
           <a:p>
             <a:pPr lvl="2"/>
             <a:r>
-              <a:rPr lang="zh-CN" altLang="en-US" smtClean="0"/>
+              <a:rPr lang="zh-CN" altLang="en-US"/>
               <a:t>第三级</a:t>
             </a:r>
           </a:p>
           <a:p>
             <a:pPr lvl="3"/>
             <a:r>
-              <a:rPr lang="zh-CN" altLang="en-US" smtClean="0"/>
+              <a:rPr lang="zh-CN" altLang="en-US"/>
               <a:t>第四级</a:t>
             </a:r>
           </a:p>
           <a:p>
             <a:pPr lvl="4"/>
             <a:r>
-              <a:rPr lang="zh-CN" altLang="en-US" smtClean="0"/>
+              <a:rPr lang="zh-CN" altLang="en-US"/>
               <a:t>第五级</a:t>
             </a:r>
-            <a:endParaRPr lang="zh-CN" altLang="en-US"/>
           </a:p>
         </p:txBody>
       </p:sp>
@@ -3003,7 +2982,7 @@
           <a:p>
             <a:fld id="{BE2B6559-75EF-40D0-8574-57135ADDCFCA}" type="datetimeFigureOut">
               <a:rPr lang="zh-CN" altLang="en-US" smtClean="0"/>
-              <a:t>2021/5/29</a:t>
+              <a:t>2021/6/11</a:t>
             </a:fld>
             <a:endParaRPr lang="zh-CN" altLang="en-US"/>
           </a:p>
@@ -3444,25 +3423,25 @@
           <a:lstStyle/>
           <a:p>
             <a:r>
-              <a:rPr lang="en-US" altLang="zh-CN" sz="1000" dirty="0" smtClean="0"/>
+              <a:rPr lang="en-US" altLang="zh-CN" sz="1000" dirty="0"/>
               <a:t>spark = </a:t>
             </a:r>
             <a:r>
-              <a:rPr lang="en-US" altLang="zh-CN" sz="1000" dirty="0" err="1" smtClean="0"/>
+              <a:rPr lang="en-US" altLang="zh-CN" sz="1000" dirty="0" err="1"/>
               <a:t>SparkSessionBuilder.build</a:t>
             </a:r>
             <a:r>
-              <a:rPr lang="en-US" altLang="zh-CN" sz="1000" dirty="0" smtClean="0"/>
+              <a:rPr lang="en-US" altLang="zh-CN" sz="1000" dirty="0"/>
               <a:t>()</a:t>
             </a:r>
           </a:p>
           <a:p>
             <a:r>
-              <a:rPr lang="en-US" altLang="zh-CN" sz="1000" dirty="0" err="1" smtClean="0"/>
+              <a:rPr lang="en-US" altLang="zh-CN" sz="1000" dirty="0" err="1"/>
               <a:t>spark.textFile</a:t>
             </a:r>
             <a:r>
-              <a:rPr lang="en-US" altLang="zh-CN" sz="1000" dirty="0" smtClean="0"/>
+              <a:rPr lang="en-US" altLang="zh-CN" sz="1000" dirty="0"/>
               <a:t>(..).map(..).count()</a:t>
             </a:r>
             <a:endParaRPr lang="zh-CN" altLang="en-US" sz="1000" dirty="0"/>
@@ -3546,7 +3525,7 @@
           <a:p>
             <a:pPr algn="ctr"/>
             <a:r>
-              <a:rPr lang="en-US" altLang="zh-CN" dirty="0" err="1" smtClean="0"/>
+              <a:rPr lang="en-US" altLang="zh-CN" dirty="0" err="1"/>
               <a:t>RpcEnv</a:t>
             </a:r>
             <a:endParaRPr lang="zh-CN" altLang="en-US" dirty="0"/>
@@ -3590,7 +3569,7 @@
           <a:p>
             <a:pPr algn="ctr"/>
             <a:r>
-              <a:rPr lang="en-US" altLang="zh-CN" dirty="0" err="1" smtClean="0"/>
+              <a:rPr lang="en-US" altLang="zh-CN" dirty="0" err="1"/>
               <a:t>BlockManager</a:t>
             </a:r>
             <a:endParaRPr lang="zh-CN" altLang="en-US" dirty="0"/>
@@ -3634,7 +3613,7 @@
           <a:p>
             <a:pPr algn="ctr"/>
             <a:r>
-              <a:rPr lang="en-US" altLang="zh-CN" dirty="0" err="1" smtClean="0"/>
+              <a:rPr lang="en-US" altLang="zh-CN" dirty="0" err="1"/>
               <a:t>BroadastManager</a:t>
             </a:r>
             <a:endParaRPr lang="zh-CN" altLang="en-US" dirty="0"/>
@@ -3678,7 +3657,7 @@
           <a:p>
             <a:pPr algn="ctr"/>
             <a:r>
-              <a:rPr lang="en-US" altLang="zh-CN" dirty="0" err="1" smtClean="0"/>
+              <a:rPr lang="en-US" altLang="zh-CN" dirty="0" err="1"/>
               <a:t>TaskScheduler</a:t>
             </a:r>
             <a:endParaRPr lang="zh-CN" altLang="en-US" dirty="0"/>
@@ -3722,7 +3701,7 @@
           <a:p>
             <a:pPr algn="ctr"/>
             <a:r>
-              <a:rPr lang="en-US" altLang="zh-CN" dirty="0" err="1" smtClean="0"/>
+              <a:rPr lang="en-US" altLang="zh-CN" dirty="0" err="1"/>
               <a:t>DAGScheduler</a:t>
             </a:r>
             <a:endParaRPr lang="zh-CN" altLang="en-US" dirty="0"/>
@@ -3804,7 +3783,7 @@
           <a:p>
             <a:pPr algn="ctr"/>
             <a:r>
-              <a:rPr lang="en-US" altLang="zh-CN" dirty="0" smtClean="0"/>
+              <a:rPr lang="en-US" altLang="zh-CN" dirty="0"/>
               <a:t>Worker</a:t>
             </a:r>
             <a:endParaRPr lang="zh-CN" altLang="en-US" dirty="0"/>
@@ -3848,7 +3827,7 @@
           <a:p>
             <a:pPr algn="ctr"/>
             <a:r>
-              <a:rPr lang="en-US" altLang="zh-CN" dirty="0" smtClean="0"/>
+              <a:rPr lang="en-US" altLang="zh-CN" dirty="0"/>
               <a:t>Store</a:t>
             </a:r>
             <a:endParaRPr lang="zh-CN" altLang="en-US" dirty="0"/>
@@ -3892,7 +3871,7 @@
           <a:p>
             <a:pPr algn="ctr"/>
             <a:r>
-              <a:rPr lang="en-US" altLang="zh-CN" dirty="0" smtClean="0"/>
+              <a:rPr lang="en-US" altLang="zh-CN" dirty="0"/>
               <a:t>Executor</a:t>
             </a:r>
             <a:endParaRPr lang="zh-CN" altLang="en-US" dirty="0"/>
@@ -4035,14 +4014,14 @@
           <a:p>
             <a:pPr algn="ctr"/>
             <a:r>
-              <a:rPr lang="en-US" altLang="zh-CN" dirty="0" smtClean="0"/>
+              <a:rPr lang="en-US" altLang="zh-CN" dirty="0"/>
               <a:t>Cluster</a:t>
             </a:r>
           </a:p>
           <a:p>
             <a:pPr algn="ctr"/>
             <a:r>
-              <a:rPr lang="en-US" altLang="zh-CN" dirty="0" smtClean="0"/>
+              <a:rPr lang="en-US" altLang="zh-CN" dirty="0"/>
               <a:t>Manager</a:t>
             </a:r>
             <a:endParaRPr lang="zh-CN" altLang="en-US" dirty="0"/>
@@ -4134,7 +4113,7 @@
           <a:lstStyle/>
           <a:p>
             <a:r>
-              <a:rPr lang="en-US" altLang="zh-CN" dirty="0" smtClean="0"/>
+              <a:rPr lang="en-US" altLang="zh-CN" dirty="0"/>
               <a:t>Driver</a:t>
             </a:r>
             <a:endParaRPr lang="zh-CN" altLang="en-US" dirty="0"/>
@@ -4164,14 +4143,13 @@
           <a:lstStyle/>
           <a:p>
             <a:r>
-              <a:rPr lang="en-US" altLang="zh-CN" dirty="0" smtClean="0"/>
+              <a:rPr lang="en-US" altLang="zh-CN" dirty="0"/>
               <a:t>Worker</a:t>
             </a:r>
             <a:r>
-              <a:rPr lang="zh-CN" altLang="en-US" dirty="0" smtClean="0"/>
+              <a:rPr lang="zh-CN" altLang="en-US" dirty="0"/>
               <a:t>节点</a:t>
             </a:r>
-            <a:endParaRPr lang="zh-CN" altLang="en-US" dirty="0"/>
           </a:p>
         </p:txBody>
       </p:sp>
@@ -4198,31 +4176,31 @@
           <a:lstStyle/>
           <a:p>
             <a:r>
-              <a:rPr lang="en-US" altLang="zh-CN" sz="1400" dirty="0" smtClean="0"/>
+              <a:rPr lang="en-US" altLang="zh-CN" sz="1400" dirty="0"/>
               <a:t>Standalone</a:t>
             </a:r>
             <a:r>
-              <a:rPr lang="zh-CN" altLang="en-US" sz="1400" dirty="0" smtClean="0"/>
+              <a:rPr lang="zh-CN" altLang="en-US" sz="1400" dirty="0"/>
               <a:t>、</a:t>
             </a:r>
             <a:r>
-              <a:rPr lang="en-US" altLang="zh-CN" sz="1400" dirty="0" smtClean="0"/>
+              <a:rPr lang="en-US" altLang="zh-CN" sz="1400" dirty="0"/>
               <a:t>YARN</a:t>
             </a:r>
             <a:r>
-              <a:rPr lang="zh-CN" altLang="en-US" sz="1400" dirty="0" smtClean="0"/>
+              <a:rPr lang="zh-CN" altLang="en-US" sz="1400" dirty="0"/>
               <a:t>、</a:t>
             </a:r>
             <a:r>
-              <a:rPr lang="en-US" altLang="zh-CN" sz="1400" dirty="0" err="1" smtClean="0"/>
+              <a:rPr lang="en-US" altLang="zh-CN" sz="1400" dirty="0" err="1"/>
               <a:t>Mesos</a:t>
             </a:r>
             <a:r>
-              <a:rPr lang="zh-CN" altLang="en-US" sz="1400" dirty="0" smtClean="0"/>
+              <a:rPr lang="zh-CN" altLang="en-US" sz="1400" dirty="0"/>
               <a:t>、</a:t>
             </a:r>
             <a:r>
-              <a:rPr lang="en-US" altLang="zh-CN" sz="1400" dirty="0" smtClean="0"/>
+              <a:rPr lang="en-US" altLang="zh-CN" sz="1400" dirty="0"/>
               <a:t>EC2</a:t>
             </a:r>
             <a:endParaRPr lang="zh-CN" altLang="en-US" sz="1400" dirty="0"/>
@@ -4252,31 +4230,31 @@
           <a:lstStyle/>
           <a:p>
             <a:r>
-              <a:rPr lang="en-US" altLang="zh-CN" sz="1400" dirty="0" smtClean="0"/>
+              <a:rPr lang="en-US" altLang="zh-CN" sz="1400" dirty="0"/>
               <a:t>HDFS</a:t>
             </a:r>
             <a:r>
-              <a:rPr lang="zh-CN" altLang="en-US" sz="1400" dirty="0" smtClean="0"/>
+              <a:rPr lang="zh-CN" altLang="en-US" sz="1400" dirty="0"/>
               <a:t>、</a:t>
             </a:r>
             <a:r>
-              <a:rPr lang="en-US" altLang="zh-CN" sz="1400" dirty="0" smtClean="0"/>
+              <a:rPr lang="en-US" altLang="zh-CN" sz="1400" dirty="0"/>
               <a:t>Amazon</a:t>
             </a:r>
             <a:r>
-              <a:rPr lang="zh-CN" altLang="en-US" sz="1400" dirty="0" smtClean="0"/>
+              <a:rPr lang="zh-CN" altLang="en-US" sz="1400" dirty="0"/>
               <a:t>、</a:t>
             </a:r>
             <a:r>
-              <a:rPr lang="en-US" altLang="zh-CN" sz="1400" dirty="0" smtClean="0"/>
+              <a:rPr lang="en-US" altLang="zh-CN" sz="1400" dirty="0"/>
               <a:t>S3</a:t>
             </a:r>
             <a:r>
-              <a:rPr lang="zh-CN" altLang="en-US" sz="1400" dirty="0" smtClean="0"/>
+              <a:rPr lang="zh-CN" altLang="en-US" sz="1400" dirty="0"/>
               <a:t>、</a:t>
             </a:r>
             <a:r>
-              <a:rPr lang="en-US" altLang="zh-CN" sz="1400" dirty="0" err="1" smtClean="0"/>
+              <a:rPr lang="en-US" altLang="zh-CN" sz="1400" dirty="0" err="1"/>
               <a:t>Alluxio</a:t>
             </a:r>
             <a:endParaRPr lang="zh-CN" altLang="en-US" sz="1400" dirty="0"/>
@@ -4293,13 +4271,6 @@
   <p:clrMapOvr>
     <a:masterClrMapping/>
   </p:clrMapOvr>
-  <p:timing>
-    <p:tnLst>
-      <p:par>
-        <p:cTn id="1" dur="indefinite" restart="never" nodeType="tmRoot"/>
-      </p:par>
-    </p:tnLst>
-  </p:timing>
 </p:sld>
 </file>
 
@@ -4360,12 +4331,8 @@
           <a:p>
             <a:pPr algn="ctr"/>
             <a:r>
-              <a:rPr lang="en-US" altLang="zh-CN" dirty="0" smtClean="0"/>
-              <a:t>event </a:t>
-            </a:r>
-            <a:r>
-              <a:rPr lang="en-US" altLang="zh-CN" dirty="0" smtClean="0"/>
-              <a:t>1</a:t>
+              <a:rPr lang="en-US" altLang="zh-CN" dirty="0"/>
+              <a:t>event 1</a:t>
             </a:r>
             <a:endParaRPr lang="zh-CN" altLang="en-US" dirty="0"/>
           </a:p>
@@ -4395,13 +4362,13 @@
           <a:p>
             <a:pPr algn="ctr"/>
             <a:r>
-              <a:rPr lang="zh-CN" altLang="en-US" sz="1100" dirty="0" smtClean="0">
+              <a:rPr lang="zh-CN" altLang="en-US" sz="1100" dirty="0">
                 <a:latin typeface="Times New Roman" panose="02020603050405020304" pitchFamily="18" charset="0"/>
                 <a:cs typeface="Times New Roman" panose="02020603050405020304" pitchFamily="18" charset="0"/>
               </a:rPr>
               <a:t>投递</a:t>
             </a:r>
-            <a:endParaRPr lang="en-US" altLang="zh-CN" sz="1100" dirty="0" smtClean="0">
+            <a:endParaRPr lang="en-US" altLang="zh-CN" sz="1100" dirty="0">
               <a:latin typeface="Times New Roman" panose="02020603050405020304" pitchFamily="18" charset="0"/>
               <a:cs typeface="Times New Roman" panose="02020603050405020304" pitchFamily="18" charset="0"/>
             </a:endParaRPr>
@@ -4409,25 +4376,18 @@
           <a:p>
             <a:pPr algn="ctr"/>
             <a:r>
-              <a:rPr lang="en-US" altLang="zh-CN" sz="1100" dirty="0" err="1" smtClean="0">
+              <a:rPr lang="en-US" altLang="zh-CN" sz="1100" dirty="0" err="1">
                 <a:latin typeface="Times New Roman" panose="02020603050405020304" pitchFamily="18" charset="0"/>
                 <a:cs typeface="Times New Roman" panose="02020603050405020304" pitchFamily="18" charset="0"/>
               </a:rPr>
               <a:t>LiveListenerBus</a:t>
             </a:r>
             <a:r>
-              <a:rPr lang="en-US" altLang="zh-CN" sz="1100" dirty="0" smtClean="0">
-                <a:latin typeface="Times New Roman" panose="02020603050405020304" pitchFamily="18" charset="0"/>
-                <a:cs typeface="Times New Roman" panose="02020603050405020304" pitchFamily="18" charset="0"/>
-              </a:rPr>
-              <a:t>::post(event</a:t>
-            </a:r>
-            <a:r>
               <a:rPr lang="en-US" altLang="zh-CN" sz="1100" dirty="0">
                 <a:latin typeface="Times New Roman" panose="02020603050405020304" pitchFamily="18" charset="0"/>
                 <a:cs typeface="Times New Roman" panose="02020603050405020304" pitchFamily="18" charset="0"/>
               </a:rPr>
-              <a:t>: </a:t>
+              <a:t>::post(event: </a:t>
             </a:r>
             <a:r>
               <a:rPr lang="en-US" altLang="zh-CN" sz="1100" dirty="0" err="1">
@@ -4437,7 +4397,7 @@
               <a:t>SparkListenerEvent</a:t>
             </a:r>
             <a:r>
-              <a:rPr lang="en-US" altLang="zh-CN" sz="1100" dirty="0" smtClean="0">
+              <a:rPr lang="en-US" altLang="zh-CN" sz="1100" dirty="0">
                 <a:latin typeface="Times New Roman" panose="02020603050405020304" pitchFamily="18" charset="0"/>
                 <a:cs typeface="Times New Roman" panose="02020603050405020304" pitchFamily="18" charset="0"/>
               </a:rPr>
@@ -4486,7 +4446,7 @@
           <a:lstStyle/>
           <a:p>
             <a:r>
-              <a:rPr lang="en-US" altLang="zh-CN" smtClean="0">
+              <a:rPr lang="en-US" altLang="zh-CN">
                 <a:latin typeface="Bahnschrift SemiBold" panose="020B0502040204020203" pitchFamily="34" charset="0"/>
               </a:rPr>
               <a:t>LiveListenerBus</a:t>
@@ -4531,20 +4491,20 @@
           <a:lstStyle/>
           <a:p>
             <a:r>
-              <a:rPr lang="en-US" altLang="zh-CN" sz="1000" dirty="0" err="1" smtClean="0">
+              <a:rPr lang="en-US" altLang="zh-CN" sz="1000" dirty="0" err="1">
                 <a:latin typeface="Arial Black" panose="020B0A04020102020204" pitchFamily="34" charset="0"/>
                 <a:cs typeface="Gotham Bold" pitchFamily="50" charset="0"/>
               </a:rPr>
               <a:t>AsyncEventQueue</a:t>
             </a:r>
             <a:r>
-              <a:rPr lang="en-US" altLang="zh-CN" sz="1000" dirty="0" smtClean="0">
+              <a:rPr lang="en-US" altLang="zh-CN" sz="1000" dirty="0">
                 <a:latin typeface="Arial Black" panose="020B0A04020102020204" pitchFamily="34" charset="0"/>
                 <a:cs typeface="Gotham Bold" pitchFamily="50" charset="0"/>
               </a:rPr>
               <a:t> name: “shared”</a:t>
             </a:r>
-            <a:endParaRPr lang="en-US" altLang="zh-CN" sz="1600" dirty="0" smtClean="0">
+            <a:endParaRPr lang="en-US" altLang="zh-CN" sz="1600" dirty="0">
               <a:latin typeface="Arial Black" panose="020B0A04020102020204" pitchFamily="34" charset="0"/>
               <a:cs typeface="Gotham Bold" pitchFamily="50" charset="0"/>
             </a:endParaRPr>
@@ -4688,13 +4648,13 @@
           <a:p>
             <a:pPr algn="ctr"/>
             <a:r>
-              <a:rPr lang="zh-CN" altLang="en-US" sz="1100" dirty="0" smtClean="0">
+              <a:rPr lang="zh-CN" altLang="en-US" sz="1100" dirty="0">
                 <a:latin typeface="Times New Roman" panose="02020603050405020304" pitchFamily="18" charset="0"/>
                 <a:cs typeface="Times New Roman" panose="02020603050405020304" pitchFamily="18" charset="0"/>
               </a:rPr>
               <a:t>处理</a:t>
             </a:r>
-            <a:endParaRPr lang="en-US" altLang="zh-CN" sz="1100" dirty="0" smtClean="0">
+            <a:endParaRPr lang="en-US" altLang="zh-CN" sz="1100" dirty="0">
               <a:latin typeface="Times New Roman" panose="02020603050405020304" pitchFamily="18" charset="0"/>
               <a:cs typeface="Times New Roman" panose="02020603050405020304" pitchFamily="18" charset="0"/>
             </a:endParaRPr>
@@ -4702,7 +4662,7 @@
           <a:p>
             <a:pPr algn="ctr"/>
             <a:r>
-              <a:rPr lang="en-US" altLang="zh-CN" sz="1100" dirty="0" err="1" smtClean="0">
+              <a:rPr lang="en-US" altLang="zh-CN" sz="1100" dirty="0" err="1">
                 <a:latin typeface="Times New Roman" panose="02020603050405020304" pitchFamily="18" charset="0"/>
                 <a:cs typeface="Times New Roman" panose="02020603050405020304" pitchFamily="18" charset="0"/>
               </a:rPr>
@@ -4727,14 +4687,7 @@
                 <a:latin typeface="Times New Roman" panose="02020603050405020304" pitchFamily="18" charset="0"/>
                 <a:cs typeface="Times New Roman" panose="02020603050405020304" pitchFamily="18" charset="0"/>
               </a:rPr>
-              <a:t>(event: E</a:t>
-            </a:r>
-            <a:r>
-              <a:rPr lang="en-US" altLang="zh-CN" sz="1100" dirty="0" smtClean="0">
-                <a:latin typeface="Times New Roman" panose="02020603050405020304" pitchFamily="18" charset="0"/>
-                <a:cs typeface="Times New Roman" panose="02020603050405020304" pitchFamily="18" charset="0"/>
-              </a:rPr>
-              <a:t>)</a:t>
+              <a:t>(event: E)</a:t>
             </a:r>
           </a:p>
         </p:txBody>
@@ -4773,19 +4726,19 @@
           <a:lstStyle/>
           <a:p>
             <a:r>
-              <a:rPr lang="en-US" altLang="zh-CN" sz="700" dirty="0" err="1" smtClean="0">
+              <a:rPr lang="en-US" altLang="zh-CN" sz="700" dirty="0" err="1">
                 <a:latin typeface="Arial Black" panose="020B0A04020102020204" pitchFamily="34" charset="0"/>
               </a:rPr>
               <a:t>LinkedBlockingQueue</a:t>
             </a:r>
             <a:r>
-              <a:rPr lang="en-US" altLang="zh-CN" sz="700" dirty="0" smtClean="0">
+              <a:rPr lang="en-US" altLang="zh-CN" sz="700" dirty="0">
                 <a:latin typeface="Arial Black" panose="020B0A04020102020204" pitchFamily="34" charset="0"/>
               </a:rPr>
               <a:t>[</a:t>
             </a:r>
             <a:r>
-              <a:rPr lang="en-US" altLang="zh-CN" sz="700" dirty="0" err="1" smtClean="0">
+              <a:rPr lang="en-US" altLang="zh-CN" sz="700" dirty="0" err="1">
                 <a:latin typeface="Arial Black" panose="020B0A04020102020204" pitchFamily="34" charset="0"/>
               </a:rPr>
               <a:t>SparkListenerEvent</a:t>
@@ -4802,7 +4755,7 @@
           </a:p>
           <a:p>
             <a:r>
-              <a:rPr lang="en-US" altLang="zh-CN" sz="1000" dirty="0" smtClean="0">
+              <a:rPr lang="en-US" altLang="zh-CN" sz="1000" dirty="0">
                 <a:latin typeface="Arial Black" panose="020B0A04020102020204" pitchFamily="34" charset="0"/>
                 <a:cs typeface="Gotham Bold" pitchFamily="50" charset="0"/>
               </a:rPr>
@@ -4814,7 +4767,7 @@
             </a:endParaRPr>
           </a:p>
           <a:p>
-            <a:endParaRPr lang="en-US" altLang="zh-CN" sz="1600" dirty="0" smtClean="0">
+            <a:endParaRPr lang="en-US" altLang="zh-CN" sz="1600" dirty="0">
               <a:latin typeface="Arial Black" panose="020B0A04020102020204" pitchFamily="34" charset="0"/>
               <a:cs typeface="Gotham Bold" pitchFamily="50" charset="0"/>
             </a:endParaRPr>
@@ -4860,17 +4813,10 @@
                 <a:latin typeface="Bahnschrift" panose="020B0502040204020203" pitchFamily="34" charset="0"/>
                 <a:cs typeface="Times New Roman" panose="02020603050405020304" pitchFamily="18" charset="0"/>
               </a:rPr>
-              <a:t>p</a:t>
-            </a:r>
-            <a:r>
-              <a:rPr lang="en-US" altLang="zh-CN" sz="2000" dirty="0" smtClean="0">
-                <a:latin typeface="Bahnschrift" panose="020B0502040204020203" pitchFamily="34" charset="0"/>
-                <a:cs typeface="Times New Roman" panose="02020603050405020304" pitchFamily="18" charset="0"/>
-              </a:rPr>
-              <a:t>ost</a:t>
-            </a:r>
-            <a:r>
-              <a:rPr lang="en-US" altLang="zh-CN" sz="2000" dirty="0" smtClean="0">
+              <a:t>post</a:t>
+            </a:r>
+            <a:r>
+              <a:rPr lang="en-US" altLang="zh-CN" sz="2000" dirty="0">
                 <a:latin typeface="Times New Roman" panose="02020603050405020304" pitchFamily="18" charset="0"/>
                 <a:cs typeface="Times New Roman" panose="02020603050405020304" pitchFamily="18" charset="0"/>
               </a:rPr>
@@ -4921,12 +4867,8 @@
           <a:p>
             <a:pPr algn="ctr"/>
             <a:r>
-              <a:rPr lang="en-US" altLang="zh-CN" dirty="0" smtClean="0"/>
-              <a:t>event </a:t>
-            </a:r>
-            <a:r>
-              <a:rPr lang="en-US" altLang="zh-CN" dirty="0" smtClean="0"/>
-              <a:t>1</a:t>
+              <a:rPr lang="en-US" altLang="zh-CN" dirty="0"/>
+              <a:t>event 1</a:t>
             </a:r>
             <a:endParaRPr lang="zh-CN" altLang="en-US" dirty="0"/>
           </a:p>
@@ -4970,7 +4912,7 @@
           <a:p>
             <a:pPr algn="ctr"/>
             <a:r>
-              <a:rPr lang="en-US" altLang="zh-CN" dirty="0" smtClean="0"/>
+              <a:rPr lang="en-US" altLang="zh-CN" dirty="0"/>
               <a:t>event 2</a:t>
             </a:r>
             <a:endParaRPr lang="zh-CN" altLang="en-US" dirty="0"/>
@@ -5015,7 +4957,7 @@
           <a:p>
             <a:pPr algn="ctr"/>
             <a:r>
-              <a:rPr lang="en-US" altLang="zh-CN" dirty="0" smtClean="0"/>
+              <a:rPr lang="en-US" altLang="zh-CN" dirty="0"/>
               <a:t>event 2</a:t>
             </a:r>
             <a:endParaRPr lang="zh-CN" altLang="en-US" dirty="0"/>
@@ -5045,7 +4987,7 @@
           <a:lstStyle/>
           <a:p>
             <a:r>
-              <a:rPr lang="en-US" altLang="zh-CN" sz="1600" b="1" dirty="0" smtClean="0">
+              <a:rPr lang="en-US" altLang="zh-CN" sz="1600" b="1" dirty="0">
                 <a:latin typeface="Bodoni MT Condensed" panose="02070606080606020203" pitchFamily="18" charset="0"/>
                 <a:cs typeface="Gotham Bold" pitchFamily="50" charset="0"/>
               </a:rPr>
@@ -5095,7 +5037,7 @@
           <a:lstStyle/>
           <a:p>
             <a:r>
-              <a:rPr lang="en-US" altLang="zh-CN" sz="700" dirty="0" err="1" smtClean="0">
+              <a:rPr lang="en-US" altLang="zh-CN" sz="700" dirty="0" err="1">
                 <a:solidFill>
                   <a:schemeClr val="bg1"/>
                 </a:solidFill>
@@ -5121,7 +5063,7 @@
           </a:p>
           <a:p>
             <a:r>
-              <a:rPr lang="en-US" altLang="zh-CN" sz="800" dirty="0" smtClean="0">
+              <a:rPr lang="en-US" altLang="zh-CN" sz="800" dirty="0">
                 <a:latin typeface="Arial Black" panose="020B0A04020102020204" pitchFamily="34" charset="0"/>
                 <a:cs typeface="Gotham Bold" pitchFamily="50" charset="0"/>
               </a:rPr>
@@ -5133,7 +5075,7 @@
             </a:endParaRPr>
           </a:p>
           <a:p>
-            <a:endParaRPr lang="en-US" altLang="zh-CN" sz="800" dirty="0" smtClean="0">
+            <a:endParaRPr lang="en-US" altLang="zh-CN" sz="800" dirty="0">
               <a:latin typeface="Arial Black" panose="020B0A04020102020204" pitchFamily="34" charset="0"/>
               <a:cs typeface="Gotham Bold" pitchFamily="50" charset="0"/>
             </a:endParaRPr>
@@ -5163,7 +5105,7 @@
           <a:lstStyle/>
           <a:p>
             <a:r>
-              <a:rPr lang="en-US" altLang="zh-CN" sz="2000" b="1" dirty="0" smtClean="0">
+              <a:rPr lang="en-US" altLang="zh-CN" sz="2000" b="1" dirty="0">
                 <a:latin typeface="Bodoni MT Condensed" panose="02070606080606020203" pitchFamily="18" charset="0"/>
                 <a:cs typeface="Gotham Bold" pitchFamily="50" charset="0"/>
               </a:rPr>
@@ -5234,7 +5176,7 @@
           <a:lstStyle/>
           <a:p>
             <a:r>
-              <a:rPr lang="en-US" altLang="zh-CN" sz="800" i="1" dirty="0" err="1" smtClean="0">
+              <a:rPr lang="en-US" altLang="zh-CN" sz="800" i="1" dirty="0" err="1">
                 <a:latin typeface="Arial Black" panose="020B0A04020102020204" pitchFamily="34" charset="0"/>
               </a:rPr>
               <a:t>dispatchThread</a:t>
@@ -5283,16 +5225,10 @@
           <a:p>
             <a:pPr algn="ctr"/>
             <a:r>
-              <a:rPr lang="en-US" altLang="zh-CN" sz="1400" dirty="0" err="1" smtClean="0">
+              <a:rPr lang="en-US" altLang="zh-CN" sz="1400" dirty="0" err="1">
                 <a:latin typeface="Arial Narrow" panose="020B0606020202030204" pitchFamily="34" charset="0"/>
               </a:rPr>
-              <a:t>S</a:t>
-            </a:r>
-            <a:r>
-              <a:rPr lang="en-US" altLang="zh-CN" sz="1400" dirty="0" err="1" smtClean="0">
-                <a:latin typeface="Arial Narrow" panose="020B0606020202030204" pitchFamily="34" charset="0"/>
-              </a:rPr>
-              <a:t>parkListener</a:t>
+              <a:t>SparkListener</a:t>
             </a:r>
             <a:endParaRPr lang="zh-CN" altLang="en-US" sz="1400" dirty="0">
               <a:latin typeface="Arial Narrow" panose="020B0606020202030204" pitchFamily="34" charset="0"/>
@@ -5338,16 +5274,10 @@
           <a:p>
             <a:pPr algn="ctr"/>
             <a:r>
-              <a:rPr lang="en-US" altLang="zh-CN" sz="1400" dirty="0" err="1" smtClean="0">
+              <a:rPr lang="en-US" altLang="zh-CN" sz="1400" dirty="0" err="1">
                 <a:latin typeface="Arial Narrow" panose="020B0606020202030204" pitchFamily="34" charset="0"/>
               </a:rPr>
-              <a:t>S</a:t>
-            </a:r>
-            <a:r>
-              <a:rPr lang="en-US" altLang="zh-CN" sz="1400" dirty="0" err="1" smtClean="0">
-                <a:latin typeface="Arial Narrow" panose="020B0606020202030204" pitchFamily="34" charset="0"/>
-              </a:rPr>
-              <a:t>parkListener</a:t>
+              <a:t>SparkListener</a:t>
             </a:r>
             <a:endParaRPr lang="zh-CN" altLang="en-US" sz="1400" dirty="0">
               <a:latin typeface="Arial Narrow" panose="020B0606020202030204" pitchFamily="34" charset="0"/>
@@ -5378,7 +5308,7 @@
           <a:lstStyle/>
           <a:p>
             <a:r>
-              <a:rPr lang="en-US" altLang="zh-CN" sz="1600" b="1" dirty="0" smtClean="0">
+              <a:rPr lang="en-US" altLang="zh-CN" sz="1600" b="1" dirty="0">
                 <a:latin typeface="Bodoni MT Condensed" panose="02070606080606020203" pitchFamily="18" charset="0"/>
                 <a:cs typeface="Gotham Bold" pitchFamily="50" charset="0"/>
               </a:rPr>
@@ -5436,24 +5366,17 @@
                 <a:latin typeface="Arial Black" panose="020B0A04020102020204" pitchFamily="34" charset="0"/>
                 <a:cs typeface="Gotham Bold" pitchFamily="50" charset="0"/>
               </a:rPr>
-              <a:t> name: </a:t>
-            </a:r>
-            <a:r>
-              <a:rPr lang="en-US" altLang="zh-CN" sz="1000" dirty="0" smtClean="0">
-                <a:latin typeface="Arial Black" panose="020B0A04020102020204" pitchFamily="34" charset="0"/>
-                <a:cs typeface="Gotham Bold" pitchFamily="50" charset="0"/>
-              </a:rPr>
-              <a:t>“</a:t>
-            </a:r>
-            <a:r>
-              <a:rPr lang="en-US" altLang="zh-CN" sz="1000" dirty="0" err="1" smtClean="0">
+              <a:t> name: “</a:t>
+            </a:r>
+            <a:r>
+              <a:rPr lang="en-US" altLang="zh-CN" sz="1000" dirty="0" err="1">
                 <a:latin typeface="Arial Black" panose="020B0A04020102020204" pitchFamily="34" charset="0"/>
                 <a:cs typeface="Gotham Bold" pitchFamily="50" charset="0"/>
               </a:rPr>
               <a:t>appStatus</a:t>
             </a:r>
             <a:r>
-              <a:rPr lang="en-US" altLang="zh-CN" sz="1000" dirty="0" smtClean="0">
+              <a:rPr lang="en-US" altLang="zh-CN" sz="1000" dirty="0">
                 <a:latin typeface="Arial Black" panose="020B0A04020102020204" pitchFamily="34" charset="0"/>
                 <a:cs typeface="Gotham Bold" pitchFamily="50" charset="0"/>
               </a:rPr>
@@ -5465,7 +5388,7 @@
             </a:endParaRPr>
           </a:p>
           <a:p>
-            <a:endParaRPr lang="en-US" altLang="zh-CN" sz="1600" dirty="0" smtClean="0">
+            <a:endParaRPr lang="en-US" altLang="zh-CN" sz="1600" dirty="0">
               <a:latin typeface="Arial Black" panose="020B0A04020102020204" pitchFamily="34" charset="0"/>
               <a:cs typeface="Gotham Bold" pitchFamily="50" charset="0"/>
             </a:endParaRPr>
@@ -5547,19 +5470,19 @@
           <a:lstStyle/>
           <a:p>
             <a:r>
-              <a:rPr lang="en-US" altLang="zh-CN" sz="700" dirty="0" err="1" smtClean="0">
+              <a:rPr lang="en-US" altLang="zh-CN" sz="700" dirty="0" err="1">
                 <a:latin typeface="Arial Black" panose="020B0A04020102020204" pitchFamily="34" charset="0"/>
               </a:rPr>
               <a:t>LinkedBlockingQueue</a:t>
             </a:r>
             <a:r>
-              <a:rPr lang="en-US" altLang="zh-CN" sz="700" dirty="0" smtClean="0">
+              <a:rPr lang="en-US" altLang="zh-CN" sz="700" dirty="0">
                 <a:latin typeface="Arial Black" panose="020B0A04020102020204" pitchFamily="34" charset="0"/>
               </a:rPr>
               <a:t>[</a:t>
             </a:r>
             <a:r>
-              <a:rPr lang="en-US" altLang="zh-CN" sz="700" dirty="0" err="1" smtClean="0">
+              <a:rPr lang="en-US" altLang="zh-CN" sz="700" dirty="0" err="1">
                 <a:latin typeface="Arial Black" panose="020B0A04020102020204" pitchFamily="34" charset="0"/>
               </a:rPr>
               <a:t>SparkListenerEvent</a:t>
@@ -5576,7 +5499,7 @@
           </a:p>
           <a:p>
             <a:r>
-              <a:rPr lang="en-US" altLang="zh-CN" sz="1000" dirty="0" smtClean="0">
+              <a:rPr lang="en-US" altLang="zh-CN" sz="1000" dirty="0">
                 <a:latin typeface="Arial Black" panose="020B0A04020102020204" pitchFamily="34" charset="0"/>
                 <a:cs typeface="Gotham Bold" pitchFamily="50" charset="0"/>
               </a:rPr>
@@ -5588,7 +5511,7 @@
             </a:endParaRPr>
           </a:p>
           <a:p>
-            <a:endParaRPr lang="en-US" altLang="zh-CN" sz="1600" dirty="0" smtClean="0">
+            <a:endParaRPr lang="en-US" altLang="zh-CN" sz="1600" dirty="0">
               <a:latin typeface="Arial Black" panose="020B0A04020102020204" pitchFamily="34" charset="0"/>
               <a:cs typeface="Gotham Bold" pitchFamily="50" charset="0"/>
             </a:endParaRPr>
@@ -5633,12 +5556,8 @@
           <a:p>
             <a:pPr algn="ctr"/>
             <a:r>
-              <a:rPr lang="en-US" altLang="zh-CN" dirty="0" smtClean="0"/>
-              <a:t>event </a:t>
-            </a:r>
-            <a:r>
-              <a:rPr lang="en-US" altLang="zh-CN" dirty="0" smtClean="0"/>
-              <a:t>1</a:t>
+              <a:rPr lang="en-US" altLang="zh-CN" dirty="0"/>
+              <a:t>event 1</a:t>
             </a:r>
             <a:endParaRPr lang="zh-CN" altLang="en-US" dirty="0"/>
           </a:p>
@@ -5682,7 +5601,7 @@
           <a:p>
             <a:pPr algn="ctr"/>
             <a:r>
-              <a:rPr lang="en-US" altLang="zh-CN" dirty="0" smtClean="0"/>
+              <a:rPr lang="en-US" altLang="zh-CN" dirty="0"/>
               <a:t>event 2</a:t>
             </a:r>
             <a:endParaRPr lang="zh-CN" altLang="en-US" dirty="0"/>
@@ -5712,7 +5631,7 @@
           <a:lstStyle/>
           <a:p>
             <a:r>
-              <a:rPr lang="en-US" altLang="zh-CN" sz="1600" b="1" dirty="0" smtClean="0">
+              <a:rPr lang="en-US" altLang="zh-CN" sz="1600" b="1" dirty="0">
                 <a:latin typeface="Bodoni MT Condensed" panose="02070606080606020203" pitchFamily="18" charset="0"/>
                 <a:cs typeface="Gotham Bold" pitchFamily="50" charset="0"/>
               </a:rPr>
@@ -5762,7 +5681,7 @@
           <a:lstStyle/>
           <a:p>
             <a:r>
-              <a:rPr lang="en-US" altLang="zh-CN" sz="700" dirty="0" err="1" smtClean="0">
+              <a:rPr lang="en-US" altLang="zh-CN" sz="700" dirty="0" err="1">
                 <a:solidFill>
                   <a:schemeClr val="bg1"/>
                 </a:solidFill>
@@ -5788,7 +5707,7 @@
           </a:p>
           <a:p>
             <a:r>
-              <a:rPr lang="en-US" altLang="zh-CN" sz="800" dirty="0" smtClean="0">
+              <a:rPr lang="en-US" altLang="zh-CN" sz="800" dirty="0">
                 <a:latin typeface="Arial Black" panose="020B0A04020102020204" pitchFamily="34" charset="0"/>
                 <a:cs typeface="Gotham Bold" pitchFamily="50" charset="0"/>
               </a:rPr>
@@ -5800,7 +5719,7 @@
             </a:endParaRPr>
           </a:p>
           <a:p>
-            <a:endParaRPr lang="en-US" altLang="zh-CN" sz="800" dirty="0" smtClean="0">
+            <a:endParaRPr lang="en-US" altLang="zh-CN" sz="800" dirty="0">
               <a:latin typeface="Arial Black" panose="020B0A04020102020204" pitchFamily="34" charset="0"/>
               <a:cs typeface="Gotham Bold" pitchFamily="50" charset="0"/>
             </a:endParaRPr>
@@ -5829,7 +5748,7 @@
           <a:lstStyle/>
           <a:p>
             <a:r>
-              <a:rPr lang="en-US" altLang="zh-CN" sz="800" i="1" dirty="0" err="1" smtClean="0">
+              <a:rPr lang="en-US" altLang="zh-CN" sz="800" i="1" dirty="0" err="1">
                 <a:latin typeface="Arial Black" panose="020B0A04020102020204" pitchFamily="34" charset="0"/>
               </a:rPr>
               <a:t>dispatchThread</a:t>
@@ -5878,16 +5797,10 @@
           <a:p>
             <a:pPr algn="ctr"/>
             <a:r>
-              <a:rPr lang="en-US" altLang="zh-CN" sz="1400" dirty="0" err="1" smtClean="0">
+              <a:rPr lang="en-US" altLang="zh-CN" sz="1400" dirty="0" err="1">
                 <a:latin typeface="Arial Narrow" panose="020B0606020202030204" pitchFamily="34" charset="0"/>
               </a:rPr>
-              <a:t>S</a:t>
-            </a:r>
-            <a:r>
-              <a:rPr lang="en-US" altLang="zh-CN" sz="1400" dirty="0" err="1" smtClean="0">
-                <a:latin typeface="Arial Narrow" panose="020B0606020202030204" pitchFamily="34" charset="0"/>
-              </a:rPr>
-              <a:t>parkListener</a:t>
+              <a:t>SparkListener</a:t>
             </a:r>
             <a:endParaRPr lang="zh-CN" altLang="en-US" sz="1400" dirty="0">
               <a:latin typeface="Arial Narrow" panose="020B0606020202030204" pitchFamily="34" charset="0"/>
@@ -5933,16 +5846,10 @@
           <a:p>
             <a:pPr algn="ctr"/>
             <a:r>
-              <a:rPr lang="en-US" altLang="zh-CN" sz="1400" dirty="0" err="1" smtClean="0">
+              <a:rPr lang="en-US" altLang="zh-CN" sz="1400" dirty="0" err="1">
                 <a:latin typeface="Arial Narrow" panose="020B0606020202030204" pitchFamily="34" charset="0"/>
               </a:rPr>
-              <a:t>S</a:t>
-            </a:r>
-            <a:r>
-              <a:rPr lang="en-US" altLang="zh-CN" sz="1400" dirty="0" err="1" smtClean="0">
-                <a:latin typeface="Arial Narrow" panose="020B0606020202030204" pitchFamily="34" charset="0"/>
-              </a:rPr>
-              <a:t>parkListener</a:t>
+              <a:t>SparkListener</a:t>
             </a:r>
             <a:endParaRPr lang="zh-CN" altLang="en-US" sz="1400" dirty="0">
               <a:latin typeface="Arial Narrow" panose="020B0606020202030204" pitchFamily="34" charset="0"/>
@@ -5973,7 +5880,7 @@
           <a:lstStyle/>
           <a:p>
             <a:r>
-              <a:rPr lang="en-US" altLang="zh-CN" sz="1600" b="1" dirty="0" smtClean="0">
+              <a:rPr lang="en-US" altLang="zh-CN" sz="1600" b="1" dirty="0">
                 <a:latin typeface="Bodoni MT Condensed" panose="02070606080606020203" pitchFamily="18" charset="0"/>
                 <a:cs typeface="Gotham Bold" pitchFamily="50" charset="0"/>
               </a:rPr>
@@ -6024,7 +5931,7 @@
           <a:p>
             <a:pPr algn="ctr"/>
             <a:r>
-              <a:rPr lang="en-US" altLang="zh-CN" sz="1100" dirty="0" err="1" smtClean="0">
+              <a:rPr lang="en-US" altLang="zh-CN" sz="1100" dirty="0" err="1">
                 <a:solidFill>
                   <a:schemeClr val="tx1"/>
                 </a:solidFill>
@@ -6033,7 +5940,7 @@
               <a:t>addToSharedQueue</a:t>
             </a:r>
             <a:r>
-              <a:rPr lang="en-US" altLang="zh-CN" sz="1100" dirty="0" smtClean="0">
+              <a:rPr lang="en-US" altLang="zh-CN" sz="1100" dirty="0">
                 <a:latin typeface="Bahnschrift Condensed" panose="020B0502040204020203" pitchFamily="34" charset="0"/>
                 <a:cs typeface="Times New Roman" panose="02020603050405020304" pitchFamily="18" charset="0"/>
               </a:rPr>
@@ -6104,7 +6011,7 @@
           <a:lstStyle/>
           <a:p>
             <a:r>
-              <a:rPr lang="en-US" altLang="zh-CN" sz="2000" b="1" dirty="0" smtClean="0">
+              <a:rPr lang="en-US" altLang="zh-CN" sz="2000" b="1" dirty="0">
                 <a:latin typeface="Bodoni MT Condensed" panose="02070606080606020203" pitchFamily="18" charset="0"/>
                 <a:cs typeface="Gotham Bold" pitchFamily="50" charset="0"/>
               </a:rPr>
@@ -6140,7 +6047,7 @@
           <a:lstStyle/>
           <a:p>
             <a:r>
-              <a:rPr lang="en-US" altLang="zh-CN" sz="2000" b="1" dirty="0" smtClean="0">
+              <a:rPr lang="en-US" altLang="zh-CN" sz="2000" b="1" dirty="0">
                 <a:latin typeface="Bodoni MT Condensed" panose="02070606080606020203" pitchFamily="18" charset="0"/>
                 <a:cs typeface="Gotham Bold" pitchFamily="50" charset="0"/>
               </a:rPr>
@@ -6191,7 +6098,7 @@
           <a:p>
             <a:pPr algn="ctr"/>
             <a:r>
-              <a:rPr lang="en-US" altLang="zh-CN" sz="1100" dirty="0" err="1" smtClean="0">
+              <a:rPr lang="en-US" altLang="zh-CN" sz="1100" dirty="0" err="1">
                 <a:solidFill>
                   <a:schemeClr val="tx1"/>
                 </a:solidFill>
@@ -6200,7 +6107,7 @@
               <a:t>addToStatusQueue</a:t>
             </a:r>
             <a:r>
-              <a:rPr lang="en-US" altLang="zh-CN" sz="1100" dirty="0" smtClean="0">
+              <a:rPr lang="en-US" altLang="zh-CN" sz="1100" dirty="0">
                 <a:latin typeface="Bahnschrift Condensed" panose="020B0502040204020203" pitchFamily="34" charset="0"/>
                 <a:cs typeface="Times New Roman" panose="02020603050405020304" pitchFamily="18" charset="0"/>
               </a:rPr>
@@ -6327,16 +6234,10 @@
           <a:p>
             <a:pPr algn="ctr"/>
             <a:r>
-              <a:rPr lang="en-US" altLang="zh-CN" sz="1400" dirty="0" err="1" smtClean="0">
+              <a:rPr lang="en-US" altLang="zh-CN" sz="1400" dirty="0" err="1">
                 <a:latin typeface="Arial Narrow" panose="020B0606020202030204" pitchFamily="34" charset="0"/>
               </a:rPr>
-              <a:t>S</a:t>
-            </a:r>
-            <a:r>
-              <a:rPr lang="en-US" altLang="zh-CN" sz="1400" dirty="0" err="1" smtClean="0">
-                <a:latin typeface="Arial Narrow" panose="020B0606020202030204" pitchFamily="34" charset="0"/>
-              </a:rPr>
-              <a:t>parkListener</a:t>
+              <a:t>SparkListener</a:t>
             </a:r>
             <a:endParaRPr lang="zh-CN" altLang="en-US" sz="1400" dirty="0">
               <a:latin typeface="Arial Narrow" panose="020B0606020202030204" pitchFamily="34" charset="0"/>
@@ -6382,16 +6283,10 @@
           <a:p>
             <a:pPr algn="ctr"/>
             <a:r>
-              <a:rPr lang="en-US" altLang="zh-CN" sz="1400" dirty="0" err="1" smtClean="0">
+              <a:rPr lang="en-US" altLang="zh-CN" sz="1400" dirty="0" err="1">
                 <a:latin typeface="Arial Narrow" panose="020B0606020202030204" pitchFamily="34" charset="0"/>
               </a:rPr>
-              <a:t>S</a:t>
-            </a:r>
-            <a:r>
-              <a:rPr lang="en-US" altLang="zh-CN" sz="1400" dirty="0" err="1" smtClean="0">
-                <a:latin typeface="Arial Narrow" panose="020B0606020202030204" pitchFamily="34" charset="0"/>
-              </a:rPr>
-              <a:t>parkListener</a:t>
+              <a:t>SparkListener</a:t>
             </a:r>
             <a:endParaRPr lang="zh-CN" altLang="en-US" sz="1400" dirty="0">
               <a:latin typeface="Arial Narrow" panose="020B0606020202030204" pitchFamily="34" charset="0"/>
@@ -6409,13 +6304,6 @@
   <p:clrMapOvr>
     <a:masterClrMapping/>
   </p:clrMapOvr>
-  <p:timing>
-    <p:tnLst>
-      <p:par>
-        <p:cTn id="1" dur="indefinite" restart="never" nodeType="tmRoot"/>
-      </p:par>
-    </p:tnLst>
-  </p:timing>
 </p:sld>
 </file>
 
@@ -6474,11 +6362,7 @@
             <a:pPr algn="ctr"/>
             <a:r>
               <a:rPr lang="en-US" altLang="zh-CN" dirty="0"/>
-              <a:t>s</a:t>
-            </a:r>
-            <a:r>
-              <a:rPr lang="en-US" altLang="zh-CN" dirty="0" smtClean="0"/>
-              <a:t>park-shell</a:t>
+              <a:t>spark-shell</a:t>
             </a:r>
             <a:endParaRPr lang="zh-CN" altLang="en-US" dirty="0"/>
           </a:p>
@@ -6521,7 +6405,7 @@
           <a:p>
             <a:pPr algn="ctr"/>
             <a:r>
-              <a:rPr lang="en-US" altLang="zh-CN" dirty="0" smtClean="0"/>
+              <a:rPr lang="en-US" altLang="zh-CN" dirty="0"/>
               <a:t>spark-submit</a:t>
             </a:r>
             <a:endParaRPr lang="zh-CN" altLang="en-US" dirty="0"/>
@@ -6565,7 +6449,7 @@
           <a:p>
             <a:pPr algn="ctr"/>
             <a:r>
-              <a:rPr lang="en-US" altLang="zh-CN" dirty="0" smtClean="0"/>
+              <a:rPr lang="en-US" altLang="zh-CN" dirty="0"/>
               <a:t>spark-class</a:t>
             </a:r>
             <a:endParaRPr lang="zh-CN" altLang="en-US" dirty="0"/>
@@ -6647,14 +6531,13 @@
           <a:p>
             <a:pPr algn="ctr"/>
             <a:r>
-              <a:rPr lang="en-US" altLang="zh-CN" dirty="0" smtClean="0"/>
+              <a:rPr lang="en-US" altLang="zh-CN" dirty="0"/>
               <a:t>Spark</a:t>
             </a:r>
             <a:r>
-              <a:rPr lang="zh-CN" altLang="en-US" dirty="0" smtClean="0"/>
+              <a:rPr lang="zh-CN" altLang="en-US" dirty="0"/>
               <a:t>作业脚本</a:t>
             </a:r>
-            <a:endParaRPr lang="zh-CN" altLang="en-US" dirty="0"/>
           </a:p>
         </p:txBody>
       </p:sp>
@@ -6733,7 +6616,7 @@
           <a:p>
             <a:pPr algn="ctr"/>
             <a:r>
-              <a:rPr lang="en-US" altLang="zh-CN" dirty="0" smtClean="0"/>
+              <a:rPr lang="en-US" altLang="zh-CN" dirty="0"/>
               <a:t>spark-class</a:t>
             </a:r>
             <a:endParaRPr lang="zh-CN" altLang="en-US" dirty="0"/>
@@ -6750,13 +6633,1547 @@
   <p:clrMapOvr>
     <a:masterClrMapping/>
   </p:clrMapOvr>
-  <p:timing>
-    <p:tnLst>
-      <p:par>
-        <p:cTn id="1" dur="indefinite" restart="never" nodeType="tmRoot"/>
-      </p:par>
-    </p:tnLst>
-  </p:timing>
+</p:sld>
+</file>
+
+<file path=ppt/slides/slide4.xml><?xml version="1.0" encoding="utf-8"?>
+<p:sld xmlns:a="http://schemas.openxmlformats.org/drawingml/2006/main" xmlns:r="http://schemas.openxmlformats.org/officeDocument/2006/relationships" xmlns:p="http://schemas.openxmlformats.org/presentationml/2006/main">
+  <p:cSld>
+    <p:spTree>
+      <p:nvGrpSpPr>
+        <p:cNvPr id="1" name=""/>
+        <p:cNvGrpSpPr/>
+        <p:nvPr/>
+      </p:nvGrpSpPr>
+      <p:grpSpPr>
+        <a:xfrm>
+          <a:off x="0" y="0"/>
+          <a:ext cx="0" cy="0"/>
+          <a:chOff x="0" y="0"/>
+          <a:chExt cx="0" cy="0"/>
+        </a:xfrm>
+      </p:grpSpPr>
+      <p:sp>
+        <p:nvSpPr>
+          <p:cNvPr id="2" name="矩形 1">
+            <a:extLst>
+              <a:ext uri="{FF2B5EF4-FFF2-40B4-BE49-F238E27FC236}">
+                <a16:creationId xmlns:a16="http://schemas.microsoft.com/office/drawing/2014/main" id="{96A58AD8-0575-364E-9644-6F952419BB18}"/>
+              </a:ext>
+            </a:extLst>
+          </p:cNvPr>
+          <p:cNvSpPr/>
+          <p:nvPr/>
+        </p:nvSpPr>
+        <p:spPr>
+          <a:xfrm>
+            <a:off x="469223" y="292541"/>
+            <a:ext cx="1169197" cy="557389"/>
+          </a:xfrm>
+          <a:prstGeom prst="rect">
+            <a:avLst/>
+          </a:prstGeom>
+          <a:solidFill>
+            <a:schemeClr val="accent6">
+              <a:lumMod val="75000"/>
+            </a:schemeClr>
+          </a:solidFill>
+        </p:spPr>
+        <p:style>
+          <a:lnRef idx="2">
+            <a:schemeClr val="accent1">
+              <a:shade val="50000"/>
+            </a:schemeClr>
+          </a:lnRef>
+          <a:fillRef idx="1">
+            <a:schemeClr val="accent1"/>
+          </a:fillRef>
+          <a:effectRef idx="0">
+            <a:schemeClr val="accent1"/>
+          </a:effectRef>
+          <a:fontRef idx="minor">
+            <a:schemeClr val="lt1"/>
+          </a:fontRef>
+        </p:style>
+        <p:txBody>
+          <a:bodyPr rtlCol="0" anchor="ctr"/>
+          <a:lstStyle/>
+          <a:p>
+            <a:pPr algn="ctr"/>
+            <a:r>
+              <a:rPr kumimoji="1" lang="en-US" altLang="zh-CN" sz="1400" dirty="0"/>
+              <a:t>Spark</a:t>
+            </a:r>
+            <a:r>
+              <a:rPr kumimoji="1" lang="zh-CN" altLang="en-US" sz="1400" dirty="0"/>
+              <a:t> </a:t>
+            </a:r>
+            <a:r>
+              <a:rPr kumimoji="1" lang="en-US" altLang="zh-CN" sz="1400" dirty="0"/>
+              <a:t>YARN</a:t>
+            </a:r>
+            <a:r>
+              <a:rPr kumimoji="1" lang="zh-CN" altLang="en-US" sz="1400" dirty="0"/>
+              <a:t> </a:t>
+            </a:r>
+            <a:r>
+              <a:rPr kumimoji="1" lang="en-US" altLang="zh-CN" sz="1400" dirty="0"/>
+              <a:t>Client</a:t>
+            </a:r>
+            <a:endParaRPr kumimoji="1" lang="zh-CN" altLang="en-US" sz="1400" dirty="0"/>
+          </a:p>
+        </p:txBody>
+      </p:sp>
+      <p:sp>
+        <p:nvSpPr>
+          <p:cNvPr id="11" name="矩形 10">
+            <a:extLst>
+              <a:ext uri="{FF2B5EF4-FFF2-40B4-BE49-F238E27FC236}">
+                <a16:creationId xmlns:a16="http://schemas.microsoft.com/office/drawing/2014/main" id="{01133ECD-E3DA-0F4E-9896-84B663A3E518}"/>
+              </a:ext>
+            </a:extLst>
+          </p:cNvPr>
+          <p:cNvSpPr/>
+          <p:nvPr/>
+        </p:nvSpPr>
+        <p:spPr>
+          <a:xfrm>
+            <a:off x="308442" y="2169439"/>
+            <a:ext cx="1490757" cy="1054823"/>
+          </a:xfrm>
+          <a:prstGeom prst="rect">
+            <a:avLst/>
+          </a:prstGeom>
+          <a:solidFill>
+            <a:schemeClr val="accent1"/>
+          </a:solidFill>
+        </p:spPr>
+        <p:style>
+          <a:lnRef idx="2">
+            <a:schemeClr val="accent4">
+              <a:shade val="50000"/>
+            </a:schemeClr>
+          </a:lnRef>
+          <a:fillRef idx="1">
+            <a:schemeClr val="accent4"/>
+          </a:fillRef>
+          <a:effectRef idx="0">
+            <a:schemeClr val="accent4"/>
+          </a:effectRef>
+          <a:fontRef idx="minor">
+            <a:schemeClr val="lt1"/>
+          </a:fontRef>
+        </p:style>
+        <p:txBody>
+          <a:bodyPr rtlCol="0" anchor="ctr"/>
+          <a:lstStyle/>
+          <a:p>
+            <a:pPr algn="ctr"/>
+            <a:r>
+              <a:rPr kumimoji="1" lang="en-US" altLang="zh-CN" dirty="0"/>
+              <a:t>Resource</a:t>
+            </a:r>
+            <a:r>
+              <a:rPr kumimoji="1" lang="zh-CN" altLang="en-US" dirty="0"/>
+              <a:t> </a:t>
+            </a:r>
+            <a:r>
+              <a:rPr kumimoji="1" lang="en-US" altLang="zh-CN" dirty="0"/>
+              <a:t>Manager</a:t>
+            </a:r>
+            <a:endParaRPr kumimoji="1" lang="zh-CN" altLang="en-US" dirty="0"/>
+          </a:p>
+        </p:txBody>
+      </p:sp>
+      <p:sp>
+        <p:nvSpPr>
+          <p:cNvPr id="34" name="矩形 33">
+            <a:extLst>
+              <a:ext uri="{FF2B5EF4-FFF2-40B4-BE49-F238E27FC236}">
+                <a16:creationId xmlns:a16="http://schemas.microsoft.com/office/drawing/2014/main" id="{B7FFECA7-20A9-9B47-B489-02DC9AF34CFD}"/>
+              </a:ext>
+            </a:extLst>
+          </p:cNvPr>
+          <p:cNvSpPr/>
+          <p:nvPr/>
+        </p:nvSpPr>
+        <p:spPr>
+          <a:xfrm>
+            <a:off x="3054511" y="2805661"/>
+            <a:ext cx="8829042" cy="2177917"/>
+          </a:xfrm>
+          <a:prstGeom prst="rect">
+            <a:avLst/>
+          </a:prstGeom>
+        </p:spPr>
+        <p:style>
+          <a:lnRef idx="2">
+            <a:schemeClr val="accent1">
+              <a:shade val="50000"/>
+            </a:schemeClr>
+          </a:lnRef>
+          <a:fillRef idx="1">
+            <a:schemeClr val="accent1"/>
+          </a:fillRef>
+          <a:effectRef idx="0">
+            <a:schemeClr val="accent1"/>
+          </a:effectRef>
+          <a:fontRef idx="minor">
+            <a:schemeClr val="lt1"/>
+          </a:fontRef>
+        </p:style>
+        <p:txBody>
+          <a:bodyPr rtlCol="0" anchor="t"/>
+          <a:lstStyle/>
+          <a:p>
+            <a:endParaRPr kumimoji="1" lang="zh-CN" altLang="en-US" dirty="0"/>
+          </a:p>
+        </p:txBody>
+      </p:sp>
+      <p:sp>
+        <p:nvSpPr>
+          <p:cNvPr id="35" name="剪去单角的矩形 34">
+            <a:extLst>
+              <a:ext uri="{FF2B5EF4-FFF2-40B4-BE49-F238E27FC236}">
+                <a16:creationId xmlns:a16="http://schemas.microsoft.com/office/drawing/2014/main" id="{84F06180-D5DB-E348-8507-CC700C5B16BD}"/>
+              </a:ext>
+            </a:extLst>
+          </p:cNvPr>
+          <p:cNvSpPr/>
+          <p:nvPr/>
+        </p:nvSpPr>
+        <p:spPr>
+          <a:xfrm>
+            <a:off x="5677683" y="3041923"/>
+            <a:ext cx="2951319" cy="1837482"/>
+          </a:xfrm>
+          <a:prstGeom prst="snip1Rect">
+            <a:avLst/>
+          </a:prstGeom>
+          <a:solidFill>
+            <a:schemeClr val="bg2">
+              <a:lumMod val="50000"/>
+            </a:schemeClr>
+          </a:solidFill>
+        </p:spPr>
+        <p:style>
+          <a:lnRef idx="2">
+            <a:schemeClr val="accent1">
+              <a:shade val="50000"/>
+            </a:schemeClr>
+          </a:lnRef>
+          <a:fillRef idx="1">
+            <a:schemeClr val="accent1"/>
+          </a:fillRef>
+          <a:effectRef idx="0">
+            <a:schemeClr val="accent1"/>
+          </a:effectRef>
+          <a:fontRef idx="minor">
+            <a:schemeClr val="lt1"/>
+          </a:fontRef>
+        </p:style>
+        <p:txBody>
+          <a:bodyPr rtlCol="0" anchor="t"/>
+          <a:lstStyle/>
+          <a:p>
+            <a:r>
+              <a:rPr kumimoji="1" lang="en-US" altLang="zh-CN" sz="1200" dirty="0"/>
+              <a:t>Container</a:t>
+            </a:r>
+          </a:p>
+          <a:p>
+            <a:r>
+              <a:rPr kumimoji="1" lang="en-US" altLang="zh-CN" sz="800" dirty="0"/>
+              <a:t>(</a:t>
+            </a:r>
+            <a:r>
+              <a:rPr kumimoji="1" lang="en-US" altLang="zh-CN" sz="800" dirty="0" err="1"/>
+              <a:t>CoarseGrained</a:t>
+            </a:r>
+            <a:r>
+              <a:rPr kumimoji="1" lang="zh-CN" altLang="en-US" sz="800" dirty="0"/>
+              <a:t> </a:t>
+            </a:r>
+            <a:r>
+              <a:rPr kumimoji="1" lang="en-US" altLang="zh-CN" sz="800" dirty="0"/>
+              <a:t>Backend)</a:t>
+            </a:r>
+            <a:endParaRPr kumimoji="1" lang="zh-CN" altLang="en-US" sz="800" dirty="0"/>
+          </a:p>
+        </p:txBody>
+      </p:sp>
+      <p:sp>
+        <p:nvSpPr>
+          <p:cNvPr id="36" name="圆角矩形 35">
+            <a:extLst>
+              <a:ext uri="{FF2B5EF4-FFF2-40B4-BE49-F238E27FC236}">
+                <a16:creationId xmlns:a16="http://schemas.microsoft.com/office/drawing/2014/main" id="{3A2C1E06-D120-9B46-8DF1-D91C01783B35}"/>
+              </a:ext>
+            </a:extLst>
+          </p:cNvPr>
+          <p:cNvSpPr/>
+          <p:nvPr/>
+        </p:nvSpPr>
+        <p:spPr>
+          <a:xfrm>
+            <a:off x="5777231" y="3678555"/>
+            <a:ext cx="2666576" cy="1096677"/>
+          </a:xfrm>
+          <a:prstGeom prst="roundRect">
+            <a:avLst/>
+          </a:prstGeom>
+          <a:solidFill>
+            <a:srgbClr val="FF0000"/>
+          </a:solidFill>
+        </p:spPr>
+        <p:style>
+          <a:lnRef idx="2">
+            <a:schemeClr val="accent1">
+              <a:shade val="50000"/>
+            </a:schemeClr>
+          </a:lnRef>
+          <a:fillRef idx="1">
+            <a:schemeClr val="accent1"/>
+          </a:fillRef>
+          <a:effectRef idx="0">
+            <a:schemeClr val="accent1"/>
+          </a:effectRef>
+          <a:fontRef idx="minor">
+            <a:schemeClr val="lt1"/>
+          </a:fontRef>
+        </p:style>
+        <p:txBody>
+          <a:bodyPr rtlCol="0" anchor="t"/>
+          <a:lstStyle/>
+          <a:p>
+            <a:r>
+              <a:rPr kumimoji="1" lang="en-US" altLang="zh-CN" sz="1200" dirty="0"/>
+              <a:t>Executor</a:t>
+            </a:r>
+            <a:endParaRPr kumimoji="1" lang="zh-CN" altLang="en-US" sz="1200" dirty="0"/>
+          </a:p>
+        </p:txBody>
+      </p:sp>
+      <p:sp>
+        <p:nvSpPr>
+          <p:cNvPr id="37" name="椭圆 36">
+            <a:extLst>
+              <a:ext uri="{FF2B5EF4-FFF2-40B4-BE49-F238E27FC236}">
+                <a16:creationId xmlns:a16="http://schemas.microsoft.com/office/drawing/2014/main" id="{F9877280-1BA7-ED49-91D8-FA7214D62F04}"/>
+              </a:ext>
+            </a:extLst>
+          </p:cNvPr>
+          <p:cNvSpPr/>
+          <p:nvPr/>
+        </p:nvSpPr>
+        <p:spPr>
+          <a:xfrm>
+            <a:off x="5846075" y="4106813"/>
+            <a:ext cx="787079" cy="509286"/>
+          </a:xfrm>
+          <a:prstGeom prst="ellipse">
+            <a:avLst/>
+          </a:prstGeom>
+          <a:solidFill>
+            <a:srgbClr val="00B050"/>
+          </a:solidFill>
+        </p:spPr>
+        <p:style>
+          <a:lnRef idx="2">
+            <a:schemeClr val="accent1">
+              <a:shade val="50000"/>
+            </a:schemeClr>
+          </a:lnRef>
+          <a:fillRef idx="1">
+            <a:schemeClr val="accent1"/>
+          </a:fillRef>
+          <a:effectRef idx="0">
+            <a:schemeClr val="accent1"/>
+          </a:effectRef>
+          <a:fontRef idx="minor">
+            <a:schemeClr val="lt1"/>
+          </a:fontRef>
+        </p:style>
+        <p:txBody>
+          <a:bodyPr rtlCol="0" anchor="ctr"/>
+          <a:lstStyle/>
+          <a:p>
+            <a:pPr algn="ctr"/>
+            <a:r>
+              <a:rPr kumimoji="1" lang="en-US" altLang="zh-CN" sz="1000" dirty="0"/>
+              <a:t>Task</a:t>
+            </a:r>
+            <a:endParaRPr kumimoji="1" lang="zh-CN" altLang="en-US" sz="1200" dirty="0"/>
+          </a:p>
+        </p:txBody>
+      </p:sp>
+      <p:sp>
+        <p:nvSpPr>
+          <p:cNvPr id="38" name="椭圆 37">
+            <a:extLst>
+              <a:ext uri="{FF2B5EF4-FFF2-40B4-BE49-F238E27FC236}">
+                <a16:creationId xmlns:a16="http://schemas.microsoft.com/office/drawing/2014/main" id="{964D1922-9048-654F-81CB-D9D55D126A98}"/>
+              </a:ext>
+            </a:extLst>
+          </p:cNvPr>
+          <p:cNvSpPr/>
+          <p:nvPr/>
+        </p:nvSpPr>
+        <p:spPr>
+          <a:xfrm>
+            <a:off x="6735193" y="4106813"/>
+            <a:ext cx="787079" cy="509286"/>
+          </a:xfrm>
+          <a:prstGeom prst="ellipse">
+            <a:avLst/>
+          </a:prstGeom>
+          <a:solidFill>
+            <a:srgbClr val="00B050"/>
+          </a:solidFill>
+        </p:spPr>
+        <p:style>
+          <a:lnRef idx="2">
+            <a:schemeClr val="accent1">
+              <a:shade val="50000"/>
+            </a:schemeClr>
+          </a:lnRef>
+          <a:fillRef idx="1">
+            <a:schemeClr val="accent1"/>
+          </a:fillRef>
+          <a:effectRef idx="0">
+            <a:schemeClr val="accent1"/>
+          </a:effectRef>
+          <a:fontRef idx="minor">
+            <a:schemeClr val="lt1"/>
+          </a:fontRef>
+        </p:style>
+        <p:txBody>
+          <a:bodyPr rtlCol="0" anchor="ctr"/>
+          <a:lstStyle/>
+          <a:p>
+            <a:pPr algn="ctr"/>
+            <a:r>
+              <a:rPr kumimoji="1" lang="en-US" altLang="zh-CN" sz="1000" dirty="0"/>
+              <a:t>Task</a:t>
+            </a:r>
+            <a:endParaRPr kumimoji="1" lang="zh-CN" altLang="en-US" sz="1200" dirty="0"/>
+          </a:p>
+        </p:txBody>
+      </p:sp>
+      <p:sp>
+        <p:nvSpPr>
+          <p:cNvPr id="39" name="椭圆 38">
+            <a:extLst>
+              <a:ext uri="{FF2B5EF4-FFF2-40B4-BE49-F238E27FC236}">
+                <a16:creationId xmlns:a16="http://schemas.microsoft.com/office/drawing/2014/main" id="{36DE0B7C-BB6C-1E49-A3A5-AB70B9E05A1A}"/>
+              </a:ext>
+            </a:extLst>
+          </p:cNvPr>
+          <p:cNvSpPr/>
+          <p:nvPr/>
+        </p:nvSpPr>
+        <p:spPr>
+          <a:xfrm>
+            <a:off x="7605243" y="4106813"/>
+            <a:ext cx="787079" cy="509286"/>
+          </a:xfrm>
+          <a:prstGeom prst="ellipse">
+            <a:avLst/>
+          </a:prstGeom>
+          <a:solidFill>
+            <a:srgbClr val="7030A0"/>
+          </a:solidFill>
+        </p:spPr>
+        <p:style>
+          <a:lnRef idx="2">
+            <a:schemeClr val="accent1">
+              <a:shade val="50000"/>
+            </a:schemeClr>
+          </a:lnRef>
+          <a:fillRef idx="1">
+            <a:schemeClr val="accent1"/>
+          </a:fillRef>
+          <a:effectRef idx="0">
+            <a:schemeClr val="accent1"/>
+          </a:effectRef>
+          <a:fontRef idx="minor">
+            <a:schemeClr val="lt1"/>
+          </a:fontRef>
+        </p:style>
+        <p:txBody>
+          <a:bodyPr rtlCol="0" anchor="ctr"/>
+          <a:lstStyle/>
+          <a:p>
+            <a:pPr algn="ctr"/>
+            <a:r>
+              <a:rPr kumimoji="1" lang="en-US" altLang="zh-CN" sz="1000" dirty="0"/>
+              <a:t>Cache</a:t>
+            </a:r>
+            <a:endParaRPr kumimoji="1" lang="zh-CN" altLang="en-US" sz="1000" dirty="0"/>
+          </a:p>
+        </p:txBody>
+      </p:sp>
+      <p:sp>
+        <p:nvSpPr>
+          <p:cNvPr id="41" name="剪去单角的矩形 40">
+            <a:extLst>
+              <a:ext uri="{FF2B5EF4-FFF2-40B4-BE49-F238E27FC236}">
+                <a16:creationId xmlns:a16="http://schemas.microsoft.com/office/drawing/2014/main" id="{D50D612A-024E-D446-A1BB-228D609CD132}"/>
+              </a:ext>
+            </a:extLst>
+          </p:cNvPr>
+          <p:cNvSpPr/>
+          <p:nvPr/>
+        </p:nvSpPr>
+        <p:spPr>
+          <a:xfrm>
+            <a:off x="8847771" y="3041923"/>
+            <a:ext cx="2951319" cy="1837482"/>
+          </a:xfrm>
+          <a:prstGeom prst="snip1Rect">
+            <a:avLst/>
+          </a:prstGeom>
+          <a:solidFill>
+            <a:schemeClr val="bg2">
+              <a:lumMod val="50000"/>
+            </a:schemeClr>
+          </a:solidFill>
+        </p:spPr>
+        <p:style>
+          <a:lnRef idx="2">
+            <a:schemeClr val="accent1">
+              <a:shade val="50000"/>
+            </a:schemeClr>
+          </a:lnRef>
+          <a:fillRef idx="1">
+            <a:schemeClr val="accent1"/>
+          </a:fillRef>
+          <a:effectRef idx="0">
+            <a:schemeClr val="accent1"/>
+          </a:effectRef>
+          <a:fontRef idx="minor">
+            <a:schemeClr val="lt1"/>
+          </a:fontRef>
+        </p:style>
+        <p:txBody>
+          <a:bodyPr rtlCol="0" anchor="t"/>
+          <a:lstStyle/>
+          <a:p>
+            <a:r>
+              <a:rPr kumimoji="1" lang="en-US" altLang="zh-CN" sz="1200" dirty="0"/>
+              <a:t>Container</a:t>
+            </a:r>
+          </a:p>
+          <a:p>
+            <a:r>
+              <a:rPr kumimoji="1" lang="en-US" altLang="zh-CN" sz="800" dirty="0"/>
+              <a:t>(</a:t>
+            </a:r>
+            <a:r>
+              <a:rPr kumimoji="1" lang="en-US" altLang="zh-CN" sz="800" dirty="0" err="1"/>
+              <a:t>CoarseGrained</a:t>
+            </a:r>
+            <a:r>
+              <a:rPr kumimoji="1" lang="zh-CN" altLang="en-US" sz="800" dirty="0"/>
+              <a:t> </a:t>
+            </a:r>
+            <a:r>
+              <a:rPr kumimoji="1" lang="en-US" altLang="zh-CN" sz="800" dirty="0"/>
+              <a:t>Backend)</a:t>
+            </a:r>
+            <a:endParaRPr kumimoji="1" lang="zh-CN" altLang="en-US" sz="800" dirty="0"/>
+          </a:p>
+        </p:txBody>
+      </p:sp>
+      <p:sp>
+        <p:nvSpPr>
+          <p:cNvPr id="42" name="圆角矩形 41">
+            <a:extLst>
+              <a:ext uri="{FF2B5EF4-FFF2-40B4-BE49-F238E27FC236}">
+                <a16:creationId xmlns:a16="http://schemas.microsoft.com/office/drawing/2014/main" id="{F88F9A44-2D78-A444-8E91-BEBDEA8BEE5A}"/>
+              </a:ext>
+            </a:extLst>
+          </p:cNvPr>
+          <p:cNvSpPr/>
+          <p:nvPr/>
+        </p:nvSpPr>
+        <p:spPr>
+          <a:xfrm>
+            <a:off x="8947319" y="3678555"/>
+            <a:ext cx="2666576" cy="1096677"/>
+          </a:xfrm>
+          <a:prstGeom prst="roundRect">
+            <a:avLst/>
+          </a:prstGeom>
+          <a:solidFill>
+            <a:srgbClr val="FF0000"/>
+          </a:solidFill>
+        </p:spPr>
+        <p:style>
+          <a:lnRef idx="2">
+            <a:schemeClr val="accent1">
+              <a:shade val="50000"/>
+            </a:schemeClr>
+          </a:lnRef>
+          <a:fillRef idx="1">
+            <a:schemeClr val="accent1"/>
+          </a:fillRef>
+          <a:effectRef idx="0">
+            <a:schemeClr val="accent1"/>
+          </a:effectRef>
+          <a:fontRef idx="minor">
+            <a:schemeClr val="lt1"/>
+          </a:fontRef>
+        </p:style>
+        <p:txBody>
+          <a:bodyPr rtlCol="0" anchor="t"/>
+          <a:lstStyle/>
+          <a:p>
+            <a:r>
+              <a:rPr kumimoji="1" lang="en-US" altLang="zh-CN" sz="1200" dirty="0"/>
+              <a:t>Executor</a:t>
+            </a:r>
+            <a:endParaRPr kumimoji="1" lang="zh-CN" altLang="en-US" sz="1200" dirty="0"/>
+          </a:p>
+        </p:txBody>
+      </p:sp>
+      <p:sp>
+        <p:nvSpPr>
+          <p:cNvPr id="43" name="椭圆 42">
+            <a:extLst>
+              <a:ext uri="{FF2B5EF4-FFF2-40B4-BE49-F238E27FC236}">
+                <a16:creationId xmlns:a16="http://schemas.microsoft.com/office/drawing/2014/main" id="{A334620E-A82F-1941-8075-6B0183A52E27}"/>
+              </a:ext>
+            </a:extLst>
+          </p:cNvPr>
+          <p:cNvSpPr/>
+          <p:nvPr/>
+        </p:nvSpPr>
+        <p:spPr>
+          <a:xfrm>
+            <a:off x="9016163" y="4106813"/>
+            <a:ext cx="787079" cy="509286"/>
+          </a:xfrm>
+          <a:prstGeom prst="ellipse">
+            <a:avLst/>
+          </a:prstGeom>
+          <a:solidFill>
+            <a:srgbClr val="00B050"/>
+          </a:solidFill>
+        </p:spPr>
+        <p:style>
+          <a:lnRef idx="2">
+            <a:schemeClr val="accent1">
+              <a:shade val="50000"/>
+            </a:schemeClr>
+          </a:lnRef>
+          <a:fillRef idx="1">
+            <a:schemeClr val="accent1"/>
+          </a:fillRef>
+          <a:effectRef idx="0">
+            <a:schemeClr val="accent1"/>
+          </a:effectRef>
+          <a:fontRef idx="minor">
+            <a:schemeClr val="lt1"/>
+          </a:fontRef>
+        </p:style>
+        <p:txBody>
+          <a:bodyPr rtlCol="0" anchor="ctr"/>
+          <a:lstStyle/>
+          <a:p>
+            <a:pPr algn="ctr"/>
+            <a:r>
+              <a:rPr kumimoji="1" lang="en-US" altLang="zh-CN" sz="1000" dirty="0"/>
+              <a:t>Task</a:t>
+            </a:r>
+            <a:endParaRPr kumimoji="1" lang="zh-CN" altLang="en-US" sz="1200" dirty="0"/>
+          </a:p>
+        </p:txBody>
+      </p:sp>
+      <p:sp>
+        <p:nvSpPr>
+          <p:cNvPr id="44" name="椭圆 43">
+            <a:extLst>
+              <a:ext uri="{FF2B5EF4-FFF2-40B4-BE49-F238E27FC236}">
+                <a16:creationId xmlns:a16="http://schemas.microsoft.com/office/drawing/2014/main" id="{43E52AD9-6DC1-A14F-9B50-CDBD0430E349}"/>
+              </a:ext>
+            </a:extLst>
+          </p:cNvPr>
+          <p:cNvSpPr/>
+          <p:nvPr/>
+        </p:nvSpPr>
+        <p:spPr>
+          <a:xfrm>
+            <a:off x="9905281" y="4106813"/>
+            <a:ext cx="787079" cy="509286"/>
+          </a:xfrm>
+          <a:prstGeom prst="ellipse">
+            <a:avLst/>
+          </a:prstGeom>
+          <a:solidFill>
+            <a:srgbClr val="00B050"/>
+          </a:solidFill>
+        </p:spPr>
+        <p:style>
+          <a:lnRef idx="2">
+            <a:schemeClr val="accent1">
+              <a:shade val="50000"/>
+            </a:schemeClr>
+          </a:lnRef>
+          <a:fillRef idx="1">
+            <a:schemeClr val="accent1"/>
+          </a:fillRef>
+          <a:effectRef idx="0">
+            <a:schemeClr val="accent1"/>
+          </a:effectRef>
+          <a:fontRef idx="minor">
+            <a:schemeClr val="lt1"/>
+          </a:fontRef>
+        </p:style>
+        <p:txBody>
+          <a:bodyPr rtlCol="0" anchor="ctr"/>
+          <a:lstStyle/>
+          <a:p>
+            <a:pPr algn="ctr"/>
+            <a:r>
+              <a:rPr kumimoji="1" lang="en-US" altLang="zh-CN" sz="1000" dirty="0"/>
+              <a:t>Task</a:t>
+            </a:r>
+            <a:endParaRPr kumimoji="1" lang="zh-CN" altLang="en-US" sz="1200" dirty="0"/>
+          </a:p>
+        </p:txBody>
+      </p:sp>
+      <p:sp>
+        <p:nvSpPr>
+          <p:cNvPr id="45" name="椭圆 44">
+            <a:extLst>
+              <a:ext uri="{FF2B5EF4-FFF2-40B4-BE49-F238E27FC236}">
+                <a16:creationId xmlns:a16="http://schemas.microsoft.com/office/drawing/2014/main" id="{0C2F6103-ADB2-B048-A722-3F7AD08D0686}"/>
+              </a:ext>
+            </a:extLst>
+          </p:cNvPr>
+          <p:cNvSpPr/>
+          <p:nvPr/>
+        </p:nvSpPr>
+        <p:spPr>
+          <a:xfrm>
+            <a:off x="10775331" y="4106813"/>
+            <a:ext cx="787079" cy="509286"/>
+          </a:xfrm>
+          <a:prstGeom prst="ellipse">
+            <a:avLst/>
+          </a:prstGeom>
+          <a:solidFill>
+            <a:srgbClr val="7030A0"/>
+          </a:solidFill>
+        </p:spPr>
+        <p:style>
+          <a:lnRef idx="2">
+            <a:schemeClr val="accent1">
+              <a:shade val="50000"/>
+            </a:schemeClr>
+          </a:lnRef>
+          <a:fillRef idx="1">
+            <a:schemeClr val="accent1"/>
+          </a:fillRef>
+          <a:effectRef idx="0">
+            <a:schemeClr val="accent1"/>
+          </a:effectRef>
+          <a:fontRef idx="minor">
+            <a:schemeClr val="lt1"/>
+          </a:fontRef>
+        </p:style>
+        <p:txBody>
+          <a:bodyPr rtlCol="0" anchor="ctr"/>
+          <a:lstStyle/>
+          <a:p>
+            <a:pPr algn="ctr"/>
+            <a:r>
+              <a:rPr kumimoji="1" lang="en-US" altLang="zh-CN" sz="1000" dirty="0"/>
+              <a:t>Cache</a:t>
+            </a:r>
+            <a:endParaRPr kumimoji="1" lang="zh-CN" altLang="en-US" sz="1000" dirty="0"/>
+          </a:p>
+        </p:txBody>
+      </p:sp>
+      <p:sp>
+        <p:nvSpPr>
+          <p:cNvPr id="46" name="矩形 45">
+            <a:extLst>
+              <a:ext uri="{FF2B5EF4-FFF2-40B4-BE49-F238E27FC236}">
+                <a16:creationId xmlns:a16="http://schemas.microsoft.com/office/drawing/2014/main" id="{757D7D79-2787-084C-BF46-EE82ED0D0062}"/>
+              </a:ext>
+            </a:extLst>
+          </p:cNvPr>
+          <p:cNvSpPr/>
+          <p:nvPr/>
+        </p:nvSpPr>
+        <p:spPr>
+          <a:xfrm>
+            <a:off x="3054510" y="292541"/>
+            <a:ext cx="8829043" cy="2177917"/>
+          </a:xfrm>
+          <a:prstGeom prst="rect">
+            <a:avLst/>
+          </a:prstGeom>
+        </p:spPr>
+        <p:style>
+          <a:lnRef idx="2">
+            <a:schemeClr val="accent1">
+              <a:shade val="50000"/>
+            </a:schemeClr>
+          </a:lnRef>
+          <a:fillRef idx="1">
+            <a:schemeClr val="accent1"/>
+          </a:fillRef>
+          <a:effectRef idx="0">
+            <a:schemeClr val="accent1"/>
+          </a:effectRef>
+          <a:fontRef idx="minor">
+            <a:schemeClr val="lt1"/>
+          </a:fontRef>
+        </p:style>
+        <p:txBody>
+          <a:bodyPr rtlCol="0" anchor="t"/>
+          <a:lstStyle/>
+          <a:p>
+            <a:endParaRPr kumimoji="1" lang="zh-CN" altLang="en-US" dirty="0"/>
+          </a:p>
+        </p:txBody>
+      </p:sp>
+      <p:sp>
+        <p:nvSpPr>
+          <p:cNvPr id="47" name="剪去单角的矩形 46">
+            <a:extLst>
+              <a:ext uri="{FF2B5EF4-FFF2-40B4-BE49-F238E27FC236}">
+                <a16:creationId xmlns:a16="http://schemas.microsoft.com/office/drawing/2014/main" id="{20B232A5-93FD-E744-81E3-5921D505461B}"/>
+              </a:ext>
+            </a:extLst>
+          </p:cNvPr>
+          <p:cNvSpPr/>
+          <p:nvPr/>
+        </p:nvSpPr>
+        <p:spPr>
+          <a:xfrm>
+            <a:off x="5653072" y="499156"/>
+            <a:ext cx="2951319" cy="1837482"/>
+          </a:xfrm>
+          <a:prstGeom prst="snip1Rect">
+            <a:avLst/>
+          </a:prstGeom>
+          <a:solidFill>
+            <a:schemeClr val="bg2">
+              <a:lumMod val="50000"/>
+            </a:schemeClr>
+          </a:solidFill>
+        </p:spPr>
+        <p:style>
+          <a:lnRef idx="2">
+            <a:schemeClr val="accent1">
+              <a:shade val="50000"/>
+            </a:schemeClr>
+          </a:lnRef>
+          <a:fillRef idx="1">
+            <a:schemeClr val="accent1"/>
+          </a:fillRef>
+          <a:effectRef idx="0">
+            <a:schemeClr val="accent1"/>
+          </a:effectRef>
+          <a:fontRef idx="minor">
+            <a:schemeClr val="lt1"/>
+          </a:fontRef>
+        </p:style>
+        <p:txBody>
+          <a:bodyPr rtlCol="0" anchor="t"/>
+          <a:lstStyle/>
+          <a:p>
+            <a:r>
+              <a:rPr kumimoji="1" lang="en-US" altLang="zh-CN" sz="1200" dirty="0"/>
+              <a:t>Container</a:t>
+            </a:r>
+          </a:p>
+          <a:p>
+            <a:r>
+              <a:rPr kumimoji="1" lang="en-US" altLang="zh-CN" sz="800" dirty="0"/>
+              <a:t>(</a:t>
+            </a:r>
+            <a:r>
+              <a:rPr kumimoji="1" lang="en-US" altLang="zh-CN" sz="800" dirty="0" err="1"/>
+              <a:t>CoarseGrained</a:t>
+            </a:r>
+            <a:r>
+              <a:rPr kumimoji="1" lang="zh-CN" altLang="en-US" sz="800" dirty="0"/>
+              <a:t> </a:t>
+            </a:r>
+            <a:r>
+              <a:rPr kumimoji="1" lang="en-US" altLang="zh-CN" sz="800" dirty="0"/>
+              <a:t>Backend)</a:t>
+            </a:r>
+            <a:endParaRPr kumimoji="1" lang="zh-CN" altLang="en-US" sz="800" dirty="0"/>
+          </a:p>
+        </p:txBody>
+      </p:sp>
+      <p:sp>
+        <p:nvSpPr>
+          <p:cNvPr id="48" name="圆角矩形 47">
+            <a:extLst>
+              <a:ext uri="{FF2B5EF4-FFF2-40B4-BE49-F238E27FC236}">
+                <a16:creationId xmlns:a16="http://schemas.microsoft.com/office/drawing/2014/main" id="{3C28F7EC-79C4-9540-AFDA-B53C267E747B}"/>
+              </a:ext>
+            </a:extLst>
+          </p:cNvPr>
+          <p:cNvSpPr/>
+          <p:nvPr/>
+        </p:nvSpPr>
+        <p:spPr>
+          <a:xfrm>
+            <a:off x="5777231" y="1111513"/>
+            <a:ext cx="2741464" cy="1145854"/>
+          </a:xfrm>
+          <a:prstGeom prst="roundRect">
+            <a:avLst/>
+          </a:prstGeom>
+          <a:solidFill>
+            <a:srgbClr val="FF0000"/>
+          </a:solidFill>
+        </p:spPr>
+        <p:style>
+          <a:lnRef idx="2">
+            <a:schemeClr val="accent1">
+              <a:shade val="50000"/>
+            </a:schemeClr>
+          </a:lnRef>
+          <a:fillRef idx="1">
+            <a:schemeClr val="accent1"/>
+          </a:fillRef>
+          <a:effectRef idx="0">
+            <a:schemeClr val="accent1"/>
+          </a:effectRef>
+          <a:fontRef idx="minor">
+            <a:schemeClr val="lt1"/>
+          </a:fontRef>
+        </p:style>
+        <p:txBody>
+          <a:bodyPr rtlCol="0" anchor="t"/>
+          <a:lstStyle/>
+          <a:p>
+            <a:r>
+              <a:rPr kumimoji="1" lang="en-US" altLang="zh-CN" sz="1200" dirty="0"/>
+              <a:t>AM</a:t>
+            </a:r>
+            <a:endParaRPr kumimoji="1" lang="zh-CN" altLang="en-US" sz="1200" dirty="0"/>
+          </a:p>
+        </p:txBody>
+      </p:sp>
+      <p:sp>
+        <p:nvSpPr>
+          <p:cNvPr id="49" name="圆角矩形 48">
+            <a:extLst>
+              <a:ext uri="{FF2B5EF4-FFF2-40B4-BE49-F238E27FC236}">
+                <a16:creationId xmlns:a16="http://schemas.microsoft.com/office/drawing/2014/main" id="{D941367B-2505-9649-A16D-5088F39C3FA3}"/>
+              </a:ext>
+            </a:extLst>
+          </p:cNvPr>
+          <p:cNvSpPr/>
+          <p:nvPr/>
+        </p:nvSpPr>
+        <p:spPr>
+          <a:xfrm>
+            <a:off x="6211096" y="1207927"/>
+            <a:ext cx="2181226" cy="962960"/>
+          </a:xfrm>
+          <a:prstGeom prst="roundRect">
+            <a:avLst/>
+          </a:prstGeom>
+        </p:spPr>
+        <p:style>
+          <a:lnRef idx="3">
+            <a:schemeClr val="lt1"/>
+          </a:lnRef>
+          <a:fillRef idx="1">
+            <a:schemeClr val="accent4"/>
+          </a:fillRef>
+          <a:effectRef idx="1">
+            <a:schemeClr val="accent4"/>
+          </a:effectRef>
+          <a:fontRef idx="minor">
+            <a:schemeClr val="lt1"/>
+          </a:fontRef>
+        </p:style>
+        <p:txBody>
+          <a:bodyPr rtlCol="0" anchor="t"/>
+          <a:lstStyle/>
+          <a:p>
+            <a:r>
+              <a:rPr kumimoji="1" lang="en-US" altLang="zh-CN" sz="1100" dirty="0" err="1"/>
+              <a:t>SparkContext</a:t>
+            </a:r>
+            <a:endParaRPr kumimoji="1" lang="zh-CN" altLang="en-US" sz="1100" dirty="0"/>
+          </a:p>
+        </p:txBody>
+      </p:sp>
+      <p:sp>
+        <p:nvSpPr>
+          <p:cNvPr id="50" name="圆角矩形 49">
+            <a:extLst>
+              <a:ext uri="{FF2B5EF4-FFF2-40B4-BE49-F238E27FC236}">
+                <a16:creationId xmlns:a16="http://schemas.microsoft.com/office/drawing/2014/main" id="{289F8669-1295-214E-B2E0-207A144AE60F}"/>
+              </a:ext>
+            </a:extLst>
+          </p:cNvPr>
+          <p:cNvSpPr/>
+          <p:nvPr/>
+        </p:nvSpPr>
+        <p:spPr>
+          <a:xfrm>
+            <a:off x="6351411" y="1482175"/>
+            <a:ext cx="1895636" cy="642412"/>
+          </a:xfrm>
+          <a:prstGeom prst="roundRect">
+            <a:avLst/>
+          </a:prstGeom>
+          <a:solidFill>
+            <a:srgbClr val="0070C0"/>
+          </a:solidFill>
+        </p:spPr>
+        <p:style>
+          <a:lnRef idx="2">
+            <a:schemeClr val="accent1">
+              <a:shade val="50000"/>
+            </a:schemeClr>
+          </a:lnRef>
+          <a:fillRef idx="1">
+            <a:schemeClr val="accent1"/>
+          </a:fillRef>
+          <a:effectRef idx="0">
+            <a:schemeClr val="accent1"/>
+          </a:effectRef>
+          <a:fontRef idx="minor">
+            <a:schemeClr val="lt1"/>
+          </a:fontRef>
+        </p:style>
+        <p:txBody>
+          <a:bodyPr rtlCol="0" anchor="t"/>
+          <a:lstStyle/>
+          <a:p>
+            <a:r>
+              <a:rPr kumimoji="1" lang="en-US" altLang="zh-CN" sz="1100" dirty="0"/>
+              <a:t>DAG</a:t>
+            </a:r>
+            <a:r>
+              <a:rPr kumimoji="1" lang="zh-CN" altLang="en-US" sz="1100" dirty="0"/>
+              <a:t> </a:t>
+            </a:r>
+            <a:r>
+              <a:rPr kumimoji="1" lang="en-US" altLang="zh-CN" sz="1100" dirty="0"/>
+              <a:t>Scheduler</a:t>
+            </a:r>
+            <a:endParaRPr kumimoji="1" lang="zh-CN" altLang="en-US" sz="1100" dirty="0"/>
+          </a:p>
+        </p:txBody>
+      </p:sp>
+      <p:sp>
+        <p:nvSpPr>
+          <p:cNvPr id="51" name="圆角矩形 50">
+            <a:extLst>
+              <a:ext uri="{FF2B5EF4-FFF2-40B4-BE49-F238E27FC236}">
+                <a16:creationId xmlns:a16="http://schemas.microsoft.com/office/drawing/2014/main" id="{20143667-9292-4049-A220-D47789EA8DBB}"/>
+              </a:ext>
+            </a:extLst>
+          </p:cNvPr>
+          <p:cNvSpPr/>
+          <p:nvPr/>
+        </p:nvSpPr>
+        <p:spPr>
+          <a:xfrm>
+            <a:off x="6660478" y="1766857"/>
+            <a:ext cx="1517725" cy="274452"/>
+          </a:xfrm>
+          <a:prstGeom prst="roundRect">
+            <a:avLst/>
+          </a:prstGeom>
+          <a:solidFill>
+            <a:srgbClr val="00B050"/>
+          </a:solidFill>
+        </p:spPr>
+        <p:style>
+          <a:lnRef idx="2">
+            <a:schemeClr val="accent1">
+              <a:shade val="50000"/>
+            </a:schemeClr>
+          </a:lnRef>
+          <a:fillRef idx="1">
+            <a:schemeClr val="accent1"/>
+          </a:fillRef>
+          <a:effectRef idx="0">
+            <a:schemeClr val="accent1"/>
+          </a:effectRef>
+          <a:fontRef idx="minor">
+            <a:schemeClr val="lt1"/>
+          </a:fontRef>
+        </p:style>
+        <p:txBody>
+          <a:bodyPr rtlCol="0" anchor="ctr"/>
+          <a:lstStyle/>
+          <a:p>
+            <a:pPr algn="ctr"/>
+            <a:r>
+              <a:rPr kumimoji="1" lang="en-US" altLang="zh-CN" sz="1000" dirty="0" err="1"/>
+              <a:t>YarnClusterScheduler</a:t>
+            </a:r>
+            <a:endParaRPr kumimoji="1" lang="zh-CN" altLang="en-US" sz="1000" dirty="0"/>
+          </a:p>
+        </p:txBody>
+      </p:sp>
+      <p:sp>
+        <p:nvSpPr>
+          <p:cNvPr id="52" name="剪去单角的矩形 51">
+            <a:extLst>
+              <a:ext uri="{FF2B5EF4-FFF2-40B4-BE49-F238E27FC236}">
+                <a16:creationId xmlns:a16="http://schemas.microsoft.com/office/drawing/2014/main" id="{20122238-EB84-6643-84AA-11AD734A5182}"/>
+              </a:ext>
+            </a:extLst>
+          </p:cNvPr>
+          <p:cNvSpPr/>
+          <p:nvPr/>
+        </p:nvSpPr>
+        <p:spPr>
+          <a:xfrm>
+            <a:off x="8790429" y="499156"/>
+            <a:ext cx="2951319" cy="1837482"/>
+          </a:xfrm>
+          <a:prstGeom prst="snip1Rect">
+            <a:avLst/>
+          </a:prstGeom>
+          <a:solidFill>
+            <a:schemeClr val="bg2">
+              <a:lumMod val="50000"/>
+            </a:schemeClr>
+          </a:solidFill>
+        </p:spPr>
+        <p:style>
+          <a:lnRef idx="2">
+            <a:schemeClr val="accent1">
+              <a:shade val="50000"/>
+            </a:schemeClr>
+          </a:lnRef>
+          <a:fillRef idx="1">
+            <a:schemeClr val="accent1"/>
+          </a:fillRef>
+          <a:effectRef idx="0">
+            <a:schemeClr val="accent1"/>
+          </a:effectRef>
+          <a:fontRef idx="minor">
+            <a:schemeClr val="lt1"/>
+          </a:fontRef>
+        </p:style>
+        <p:txBody>
+          <a:bodyPr rtlCol="0" anchor="t"/>
+          <a:lstStyle/>
+          <a:p>
+            <a:r>
+              <a:rPr kumimoji="1" lang="en-US" altLang="zh-CN" sz="1200" dirty="0"/>
+              <a:t>Container</a:t>
+            </a:r>
+          </a:p>
+          <a:p>
+            <a:r>
+              <a:rPr kumimoji="1" lang="en-US" altLang="zh-CN" sz="800" dirty="0"/>
+              <a:t>(</a:t>
+            </a:r>
+            <a:r>
+              <a:rPr kumimoji="1" lang="en-US" altLang="zh-CN" sz="800" dirty="0" err="1"/>
+              <a:t>CoarseGrained</a:t>
+            </a:r>
+            <a:r>
+              <a:rPr kumimoji="1" lang="zh-CN" altLang="en-US" sz="800" dirty="0"/>
+              <a:t> </a:t>
+            </a:r>
+            <a:r>
+              <a:rPr kumimoji="1" lang="en-US" altLang="zh-CN" sz="800" dirty="0"/>
+              <a:t>Backend)</a:t>
+            </a:r>
+            <a:endParaRPr kumimoji="1" lang="zh-CN" altLang="en-US" sz="800" dirty="0"/>
+          </a:p>
+        </p:txBody>
+      </p:sp>
+      <p:sp>
+        <p:nvSpPr>
+          <p:cNvPr id="53" name="圆角矩形 52">
+            <a:extLst>
+              <a:ext uri="{FF2B5EF4-FFF2-40B4-BE49-F238E27FC236}">
+                <a16:creationId xmlns:a16="http://schemas.microsoft.com/office/drawing/2014/main" id="{88FB930B-0B9B-BA40-82B5-EB90F7A87D03}"/>
+              </a:ext>
+            </a:extLst>
+          </p:cNvPr>
+          <p:cNvSpPr/>
+          <p:nvPr/>
+        </p:nvSpPr>
+        <p:spPr>
+          <a:xfrm>
+            <a:off x="8889977" y="1135788"/>
+            <a:ext cx="2666576" cy="1096677"/>
+          </a:xfrm>
+          <a:prstGeom prst="roundRect">
+            <a:avLst/>
+          </a:prstGeom>
+          <a:solidFill>
+            <a:srgbClr val="FF0000"/>
+          </a:solidFill>
+        </p:spPr>
+        <p:style>
+          <a:lnRef idx="2">
+            <a:schemeClr val="accent1">
+              <a:shade val="50000"/>
+            </a:schemeClr>
+          </a:lnRef>
+          <a:fillRef idx="1">
+            <a:schemeClr val="accent1"/>
+          </a:fillRef>
+          <a:effectRef idx="0">
+            <a:schemeClr val="accent1"/>
+          </a:effectRef>
+          <a:fontRef idx="minor">
+            <a:schemeClr val="lt1"/>
+          </a:fontRef>
+        </p:style>
+        <p:txBody>
+          <a:bodyPr rtlCol="0" anchor="t"/>
+          <a:lstStyle/>
+          <a:p>
+            <a:r>
+              <a:rPr kumimoji="1" lang="en-US" altLang="zh-CN" sz="1200" dirty="0"/>
+              <a:t>Executor</a:t>
+            </a:r>
+            <a:endParaRPr kumimoji="1" lang="zh-CN" altLang="en-US" sz="1200" dirty="0"/>
+          </a:p>
+        </p:txBody>
+      </p:sp>
+      <p:sp>
+        <p:nvSpPr>
+          <p:cNvPr id="54" name="椭圆 53">
+            <a:extLst>
+              <a:ext uri="{FF2B5EF4-FFF2-40B4-BE49-F238E27FC236}">
+                <a16:creationId xmlns:a16="http://schemas.microsoft.com/office/drawing/2014/main" id="{016282A3-6E65-694E-B5D2-583D5F1F98A3}"/>
+              </a:ext>
+            </a:extLst>
+          </p:cNvPr>
+          <p:cNvSpPr/>
+          <p:nvPr/>
+        </p:nvSpPr>
+        <p:spPr>
+          <a:xfrm>
+            <a:off x="8958821" y="1564046"/>
+            <a:ext cx="787079" cy="509286"/>
+          </a:xfrm>
+          <a:prstGeom prst="ellipse">
+            <a:avLst/>
+          </a:prstGeom>
+          <a:solidFill>
+            <a:srgbClr val="00B050"/>
+          </a:solidFill>
+        </p:spPr>
+        <p:style>
+          <a:lnRef idx="2">
+            <a:schemeClr val="accent1">
+              <a:shade val="50000"/>
+            </a:schemeClr>
+          </a:lnRef>
+          <a:fillRef idx="1">
+            <a:schemeClr val="accent1"/>
+          </a:fillRef>
+          <a:effectRef idx="0">
+            <a:schemeClr val="accent1"/>
+          </a:effectRef>
+          <a:fontRef idx="minor">
+            <a:schemeClr val="lt1"/>
+          </a:fontRef>
+        </p:style>
+        <p:txBody>
+          <a:bodyPr rtlCol="0" anchor="ctr"/>
+          <a:lstStyle/>
+          <a:p>
+            <a:pPr algn="ctr"/>
+            <a:r>
+              <a:rPr kumimoji="1" lang="en-US" altLang="zh-CN" sz="1000" dirty="0"/>
+              <a:t>Task</a:t>
+            </a:r>
+            <a:endParaRPr kumimoji="1" lang="zh-CN" altLang="en-US" sz="1200" dirty="0"/>
+          </a:p>
+        </p:txBody>
+      </p:sp>
+      <p:sp>
+        <p:nvSpPr>
+          <p:cNvPr id="55" name="椭圆 54">
+            <a:extLst>
+              <a:ext uri="{FF2B5EF4-FFF2-40B4-BE49-F238E27FC236}">
+                <a16:creationId xmlns:a16="http://schemas.microsoft.com/office/drawing/2014/main" id="{21CD310B-A334-664E-AA2F-3106AE7D8F90}"/>
+              </a:ext>
+            </a:extLst>
+          </p:cNvPr>
+          <p:cNvSpPr/>
+          <p:nvPr/>
+        </p:nvSpPr>
+        <p:spPr>
+          <a:xfrm>
+            <a:off x="9847939" y="1564046"/>
+            <a:ext cx="787079" cy="509286"/>
+          </a:xfrm>
+          <a:prstGeom prst="ellipse">
+            <a:avLst/>
+          </a:prstGeom>
+          <a:solidFill>
+            <a:srgbClr val="00B050"/>
+          </a:solidFill>
+        </p:spPr>
+        <p:style>
+          <a:lnRef idx="2">
+            <a:schemeClr val="accent1">
+              <a:shade val="50000"/>
+            </a:schemeClr>
+          </a:lnRef>
+          <a:fillRef idx="1">
+            <a:schemeClr val="accent1"/>
+          </a:fillRef>
+          <a:effectRef idx="0">
+            <a:schemeClr val="accent1"/>
+          </a:effectRef>
+          <a:fontRef idx="minor">
+            <a:schemeClr val="lt1"/>
+          </a:fontRef>
+        </p:style>
+        <p:txBody>
+          <a:bodyPr rtlCol="0" anchor="ctr"/>
+          <a:lstStyle/>
+          <a:p>
+            <a:pPr algn="ctr"/>
+            <a:r>
+              <a:rPr kumimoji="1" lang="en-US" altLang="zh-CN" sz="1000" dirty="0"/>
+              <a:t>Task</a:t>
+            </a:r>
+            <a:endParaRPr kumimoji="1" lang="zh-CN" altLang="en-US" sz="1200" dirty="0"/>
+          </a:p>
+        </p:txBody>
+      </p:sp>
+      <p:sp>
+        <p:nvSpPr>
+          <p:cNvPr id="56" name="椭圆 55">
+            <a:extLst>
+              <a:ext uri="{FF2B5EF4-FFF2-40B4-BE49-F238E27FC236}">
+                <a16:creationId xmlns:a16="http://schemas.microsoft.com/office/drawing/2014/main" id="{C78D7D5F-5B67-B843-B055-3D3D3E438227}"/>
+              </a:ext>
+            </a:extLst>
+          </p:cNvPr>
+          <p:cNvSpPr/>
+          <p:nvPr/>
+        </p:nvSpPr>
+        <p:spPr>
+          <a:xfrm>
+            <a:off x="10717989" y="1564046"/>
+            <a:ext cx="787079" cy="509286"/>
+          </a:xfrm>
+          <a:prstGeom prst="ellipse">
+            <a:avLst/>
+          </a:prstGeom>
+          <a:solidFill>
+            <a:srgbClr val="7030A0"/>
+          </a:solidFill>
+        </p:spPr>
+        <p:style>
+          <a:lnRef idx="2">
+            <a:schemeClr val="accent1">
+              <a:shade val="50000"/>
+            </a:schemeClr>
+          </a:lnRef>
+          <a:fillRef idx="1">
+            <a:schemeClr val="accent1"/>
+          </a:fillRef>
+          <a:effectRef idx="0">
+            <a:schemeClr val="accent1"/>
+          </a:effectRef>
+          <a:fontRef idx="minor">
+            <a:schemeClr val="lt1"/>
+          </a:fontRef>
+        </p:style>
+        <p:txBody>
+          <a:bodyPr rtlCol="0" anchor="ctr"/>
+          <a:lstStyle/>
+          <a:p>
+            <a:pPr algn="ctr"/>
+            <a:r>
+              <a:rPr kumimoji="1" lang="en-US" altLang="zh-CN" sz="1000" dirty="0"/>
+              <a:t>Cache</a:t>
+            </a:r>
+            <a:endParaRPr kumimoji="1" lang="zh-CN" altLang="en-US" sz="1000" dirty="0"/>
+          </a:p>
+        </p:txBody>
+      </p:sp>
+      <p:cxnSp>
+        <p:nvCxnSpPr>
+          <p:cNvPr id="58" name="直线箭头连接符 57">
+            <a:extLst>
+              <a:ext uri="{FF2B5EF4-FFF2-40B4-BE49-F238E27FC236}">
+                <a16:creationId xmlns:a16="http://schemas.microsoft.com/office/drawing/2014/main" id="{B03B5DFC-1DF0-D84A-88C1-80711529D262}"/>
+              </a:ext>
+            </a:extLst>
+          </p:cNvPr>
+          <p:cNvCxnSpPr>
+            <a:stCxn id="2" idx="2"/>
+            <a:endCxn id="11" idx="0"/>
+          </p:cNvCxnSpPr>
+          <p:nvPr/>
+        </p:nvCxnSpPr>
+        <p:spPr>
+          <a:xfrm flipH="1">
+            <a:off x="1053821" y="849930"/>
+            <a:ext cx="1" cy="1319509"/>
+          </a:xfrm>
+          <a:prstGeom prst="straightConnector1">
+            <a:avLst/>
+          </a:prstGeom>
+          <a:ln w="28575">
+            <a:tailEnd type="triangle"/>
+          </a:ln>
+        </p:spPr>
+        <p:style>
+          <a:lnRef idx="1">
+            <a:schemeClr val="accent1"/>
+          </a:lnRef>
+          <a:fillRef idx="0">
+            <a:schemeClr val="accent1"/>
+          </a:fillRef>
+          <a:effectRef idx="0">
+            <a:schemeClr val="accent1"/>
+          </a:effectRef>
+          <a:fontRef idx="minor">
+            <a:schemeClr val="tx1"/>
+          </a:fontRef>
+        </p:style>
+      </p:cxnSp>
+      <p:sp>
+        <p:nvSpPr>
+          <p:cNvPr id="29" name="矩形 28">
+            <a:extLst>
+              <a:ext uri="{FF2B5EF4-FFF2-40B4-BE49-F238E27FC236}">
+                <a16:creationId xmlns:a16="http://schemas.microsoft.com/office/drawing/2014/main" id="{DE7260AF-069E-4947-8262-4EAEF7BD0113}"/>
+              </a:ext>
+            </a:extLst>
+          </p:cNvPr>
+          <p:cNvSpPr/>
+          <p:nvPr/>
+        </p:nvSpPr>
+        <p:spPr>
+          <a:xfrm>
+            <a:off x="3407231" y="849260"/>
+            <a:ext cx="1490757" cy="1054823"/>
+          </a:xfrm>
+          <a:prstGeom prst="rect">
+            <a:avLst/>
+          </a:prstGeom>
+        </p:spPr>
+        <p:style>
+          <a:lnRef idx="2">
+            <a:schemeClr val="accent2">
+              <a:shade val="50000"/>
+            </a:schemeClr>
+          </a:lnRef>
+          <a:fillRef idx="1">
+            <a:schemeClr val="accent2"/>
+          </a:fillRef>
+          <a:effectRef idx="0">
+            <a:schemeClr val="accent2"/>
+          </a:effectRef>
+          <a:fontRef idx="minor">
+            <a:schemeClr val="lt1"/>
+          </a:fontRef>
+        </p:style>
+        <p:txBody>
+          <a:bodyPr rtlCol="0" anchor="ctr"/>
+          <a:lstStyle/>
+          <a:p>
+            <a:pPr algn="ctr"/>
+            <a:r>
+              <a:rPr kumimoji="1" lang="en-US" altLang="zh-CN" dirty="0"/>
+              <a:t>Node</a:t>
+            </a:r>
+          </a:p>
+          <a:p>
+            <a:pPr algn="ctr"/>
+            <a:r>
+              <a:rPr kumimoji="1" lang="en-US" altLang="zh-CN" dirty="0"/>
+              <a:t>Manager</a:t>
+            </a:r>
+            <a:endParaRPr kumimoji="1" lang="zh-CN" altLang="en-US" dirty="0"/>
+          </a:p>
+        </p:txBody>
+      </p:sp>
+      <p:sp>
+        <p:nvSpPr>
+          <p:cNvPr id="30" name="矩形 29">
+            <a:extLst>
+              <a:ext uri="{FF2B5EF4-FFF2-40B4-BE49-F238E27FC236}">
+                <a16:creationId xmlns:a16="http://schemas.microsoft.com/office/drawing/2014/main" id="{C55EE230-D7FE-1042-9560-B16D7EB9487A}"/>
+              </a:ext>
+            </a:extLst>
+          </p:cNvPr>
+          <p:cNvSpPr/>
+          <p:nvPr/>
+        </p:nvSpPr>
+        <p:spPr>
+          <a:xfrm>
+            <a:off x="3407231" y="3367207"/>
+            <a:ext cx="1490757" cy="1054823"/>
+          </a:xfrm>
+          <a:prstGeom prst="rect">
+            <a:avLst/>
+          </a:prstGeom>
+        </p:spPr>
+        <p:style>
+          <a:lnRef idx="2">
+            <a:schemeClr val="accent2">
+              <a:shade val="50000"/>
+            </a:schemeClr>
+          </a:lnRef>
+          <a:fillRef idx="1">
+            <a:schemeClr val="accent2"/>
+          </a:fillRef>
+          <a:effectRef idx="0">
+            <a:schemeClr val="accent2"/>
+          </a:effectRef>
+          <a:fontRef idx="minor">
+            <a:schemeClr val="lt1"/>
+          </a:fontRef>
+        </p:style>
+        <p:txBody>
+          <a:bodyPr rtlCol="0" anchor="ctr"/>
+          <a:lstStyle/>
+          <a:p>
+            <a:pPr algn="ctr"/>
+            <a:r>
+              <a:rPr kumimoji="1" lang="en-US" altLang="zh-CN" dirty="0"/>
+              <a:t>Node</a:t>
+            </a:r>
+          </a:p>
+          <a:p>
+            <a:pPr algn="ctr"/>
+            <a:r>
+              <a:rPr kumimoji="1" lang="en-US" altLang="zh-CN" dirty="0"/>
+              <a:t>Manager</a:t>
+            </a:r>
+            <a:endParaRPr kumimoji="1" lang="zh-CN" altLang="en-US" dirty="0"/>
+          </a:p>
+        </p:txBody>
+      </p:sp>
+    </p:spTree>
+    <p:extLst>
+      <p:ext uri="{BB962C8B-B14F-4D97-AF65-F5344CB8AC3E}">
+        <p14:creationId xmlns:p14="http://schemas.microsoft.com/office/powerpoint/2010/main" val="1485627591"/>
+      </p:ext>
+    </p:extLst>
+  </p:cSld>
+  <p:clrMapOvr>
+    <a:masterClrMapping/>
+  </p:clrMapOvr>
 </p:sld>
 </file>
 
